--- a/Предсказание цены автомобиля.pptx
+++ b/Предсказание цены автомобиля.pptx
@@ -8,14 +8,13 @@
     <p:sldId id="256" r:id="rId2"/>
     <p:sldId id="257" r:id="rId3"/>
     <p:sldId id="263" r:id="rId4"/>
-    <p:sldId id="258" r:id="rId5"/>
+    <p:sldId id="268" r:id="rId5"/>
     <p:sldId id="267" r:id="rId6"/>
     <p:sldId id="260" r:id="rId7"/>
     <p:sldId id="266" r:id="rId8"/>
     <p:sldId id="262" r:id="rId9"/>
     <p:sldId id="259" r:id="rId10"/>
     <p:sldId id="264" r:id="rId11"/>
-    <p:sldId id="265" r:id="rId12"/>
   </p:sldIdLst>
   <p:sldSz cx="12192000" cy="6858000"/>
   <p:notesSz cx="6858000" cy="9144000"/>
@@ -130,7 +129,7 @@
         </p14:section>
         <p14:section name="Обработка данных" id="{F240F1B0-D8EA-46FA-866F-BF3B95D056A8}">
           <p14:sldIdLst>
-            <p14:sldId id="258"/>
+            <p14:sldId id="268"/>
             <p14:sldId id="267"/>
             <p14:sldId id="260"/>
             <p14:sldId id="266"/>
@@ -141,10 +140,12 @@
           <p14:sldIdLst>
             <p14:sldId id="259"/>
             <p14:sldId id="264"/>
-            <p14:sldId id="265"/>
           </p14:sldIdLst>
         </p14:section>
       </p14:sectionLst>
+    </p:ext>
+    <p:ext uri="{EFAFB233-063F-42B5-8137-9DF3F51BA10A}">
+      <p15:sldGuideLst xmlns:p15="http://schemas.microsoft.com/office/powerpoint/2012/main"/>
     </p:ext>
   </p:extLst>
 </p:presentation>
@@ -320,7 +321,7 @@
           <a:p>
             <a:fld id="{48A87A34-81AB-432B-8DAE-1953F412C126}" type="datetimeFigureOut">
               <a:rPr lang="en-US" smtClean="0"/>
-              <a:t>16-Dec-18</a:t>
+              <a:t>17-Dec-18</a:t>
             </a:fld>
             <a:endParaRPr lang="en-US" dirty="0"/>
           </a:p>
@@ -588,7 +589,7 @@
             <a:fld id="{48A87A34-81AB-432B-8DAE-1953F412C126}" type="datetimeFigureOut">
               <a:rPr lang="en-US" smtClean="0"/>
               <a:pPr/>
-              <a:t>16-Dec-18</a:t>
+              <a:t>17-Dec-18</a:t>
             </a:fld>
             <a:endParaRPr lang="en-US" dirty="0"/>
           </a:p>
@@ -821,7 +822,7 @@
             <a:fld id="{48A87A34-81AB-432B-8DAE-1953F412C126}" type="datetimeFigureOut">
               <a:rPr lang="en-US" smtClean="0"/>
               <a:pPr/>
-              <a:t>16-Dec-18</a:t>
+              <a:t>17-Dec-18</a:t>
             </a:fld>
             <a:endParaRPr lang="en-US" dirty="0"/>
           </a:p>
@@ -1133,7 +1134,7 @@
             <a:fld id="{48A87A34-81AB-432B-8DAE-1953F412C126}" type="datetimeFigureOut">
               <a:rPr lang="en-US" smtClean="0"/>
               <a:pPr/>
-              <a:t>16-Dec-18</a:t>
+              <a:t>17-Dec-18</a:t>
             </a:fld>
             <a:endParaRPr lang="en-US" dirty="0"/>
           </a:p>
@@ -1608,7 +1609,7 @@
             <a:fld id="{48A87A34-81AB-432B-8DAE-1953F412C126}" type="datetimeFigureOut">
               <a:rPr lang="en-US" smtClean="0"/>
               <a:pPr/>
-              <a:t>16-Dec-18</a:t>
+              <a:t>17-Dec-18</a:t>
             </a:fld>
             <a:endParaRPr lang="en-US" dirty="0"/>
           </a:p>
@@ -2157,7 +2158,7 @@
             <a:fld id="{48A87A34-81AB-432B-8DAE-1953F412C126}" type="datetimeFigureOut">
               <a:rPr lang="en-US" smtClean="0"/>
               <a:pPr/>
-              <a:t>16-Dec-18</a:t>
+              <a:t>17-Dec-18</a:t>
             </a:fld>
             <a:endParaRPr lang="en-US" dirty="0"/>
           </a:p>
@@ -2933,7 +2934,7 @@
             <a:fld id="{48A87A34-81AB-432B-8DAE-1953F412C126}" type="datetimeFigureOut">
               <a:rPr lang="en-US" smtClean="0"/>
               <a:pPr/>
-              <a:t>16-Dec-18</a:t>
+              <a:t>17-Dec-18</a:t>
             </a:fld>
             <a:endParaRPr lang="en-US" dirty="0"/>
           </a:p>
@@ -3109,7 +3110,7 @@
           <a:p>
             <a:fld id="{48A87A34-81AB-432B-8DAE-1953F412C126}" type="datetimeFigureOut">
               <a:rPr lang="en-US" smtClean="0"/>
-              <a:t>16-Dec-18</a:t>
+              <a:t>17-Dec-18</a:t>
             </a:fld>
             <a:endParaRPr lang="en-US" dirty="0"/>
           </a:p>
@@ -3333,7 +3334,7 @@
             <a:fld id="{48A87A34-81AB-432B-8DAE-1953F412C126}" type="datetimeFigureOut">
               <a:rPr lang="en-US" smtClean="0"/>
               <a:pPr/>
-              <a:t>16-Dec-18</a:t>
+              <a:t>17-Dec-18</a:t>
             </a:fld>
             <a:endParaRPr lang="en-US" dirty="0"/>
           </a:p>
@@ -3513,7 +3514,7 @@
           <a:p>
             <a:fld id="{48A87A34-81AB-432B-8DAE-1953F412C126}" type="datetimeFigureOut">
               <a:rPr lang="en-US" smtClean="0"/>
-              <a:t>16-Dec-18</a:t>
+              <a:t>17-Dec-18</a:t>
             </a:fld>
             <a:endParaRPr lang="en-US" dirty="0"/>
           </a:p>
@@ -3803,7 +3804,7 @@
             <a:fld id="{48A87A34-81AB-432B-8DAE-1953F412C126}" type="datetimeFigureOut">
               <a:rPr lang="en-US" smtClean="0"/>
               <a:pPr/>
-              <a:t>16-Dec-18</a:t>
+              <a:t>17-Dec-18</a:t>
             </a:fld>
             <a:endParaRPr lang="en-US" dirty="0"/>
           </a:p>
@@ -4045,7 +4046,7 @@
           <a:p>
             <a:fld id="{48A87A34-81AB-432B-8DAE-1953F412C126}" type="datetimeFigureOut">
               <a:rPr lang="en-US" smtClean="0"/>
-              <a:t>16-Dec-18</a:t>
+              <a:t>17-Dec-18</a:t>
             </a:fld>
             <a:endParaRPr lang="en-US" dirty="0"/>
           </a:p>
@@ -4424,7 +4425,7 @@
           <a:p>
             <a:fld id="{48A87A34-81AB-432B-8DAE-1953F412C126}" type="datetimeFigureOut">
               <a:rPr lang="en-US" smtClean="0"/>
-              <a:t>16-Dec-18</a:t>
+              <a:t>17-Dec-18</a:t>
             </a:fld>
             <a:endParaRPr lang="en-US" dirty="0"/>
           </a:p>
@@ -4542,7 +4543,7 @@
           <a:p>
             <a:fld id="{48A87A34-81AB-432B-8DAE-1953F412C126}" type="datetimeFigureOut">
               <a:rPr lang="en-US" smtClean="0"/>
-              <a:t>16-Dec-18</a:t>
+              <a:t>17-Dec-18</a:t>
             </a:fld>
             <a:endParaRPr lang="en-US" dirty="0"/>
           </a:p>
@@ -4637,7 +4638,7 @@
           <a:p>
             <a:fld id="{48A87A34-81AB-432B-8DAE-1953F412C126}" type="datetimeFigureOut">
               <a:rPr lang="en-US" smtClean="0"/>
-              <a:t>16-Dec-18</a:t>
+              <a:t>17-Dec-18</a:t>
             </a:fld>
             <a:endParaRPr lang="en-US" dirty="0"/>
           </a:p>
@@ -4886,7 +4887,7 @@
           <a:p>
             <a:fld id="{48A87A34-81AB-432B-8DAE-1953F412C126}" type="datetimeFigureOut">
               <a:rPr lang="en-US" smtClean="0"/>
-              <a:t>16-Dec-18</a:t>
+              <a:t>17-Dec-18</a:t>
             </a:fld>
             <a:endParaRPr lang="en-US" dirty="0"/>
           </a:p>
@@ -5143,7 +5144,7 @@
           <a:p>
             <a:fld id="{48A87A34-81AB-432B-8DAE-1953F412C126}" type="datetimeFigureOut">
               <a:rPr lang="en-US" smtClean="0"/>
-              <a:t>16-Dec-18</a:t>
+              <a:t>17-Dec-18</a:t>
             </a:fld>
             <a:endParaRPr lang="en-US" dirty="0"/>
           </a:p>
@@ -5387,7 +5388,7 @@
             <a:fld id="{48A87A34-81AB-432B-8DAE-1953F412C126}" type="datetimeFigureOut">
               <a:rPr lang="en-US" smtClean="0"/>
               <a:pPr/>
-              <a:t>16-Dec-18</a:t>
+              <a:t>17-Dec-18</a:t>
             </a:fld>
             <a:endParaRPr lang="en-US" dirty="0"/>
           </a:p>
@@ -5965,89 +5966,6 @@
 </p:sld>
 </file>
 
-<file path=ppt/slides/slide11.xml><?xml version="1.0" encoding="utf-8"?>
-<p:sld xmlns:a="http://schemas.openxmlformats.org/drawingml/2006/main" xmlns:r="http://schemas.openxmlformats.org/officeDocument/2006/relationships" xmlns:p="http://schemas.openxmlformats.org/presentationml/2006/main">
-  <p:cSld>
-    <p:spTree>
-      <p:nvGrpSpPr>
-        <p:cNvPr id="1" name=""/>
-        <p:cNvGrpSpPr/>
-        <p:nvPr/>
-      </p:nvGrpSpPr>
-      <p:grpSpPr>
-        <a:xfrm>
-          <a:off x="0" y="0"/>
-          <a:ext cx="0" cy="0"/>
-          <a:chOff x="0" y="0"/>
-          <a:chExt cx="0" cy="0"/>
-        </a:xfrm>
-      </p:grpSpPr>
-      <p:sp>
-        <p:nvSpPr>
-          <p:cNvPr id="2" name="Заголовок 1">
-            <a:extLst>
-              <a:ext uri="{FF2B5EF4-FFF2-40B4-BE49-F238E27FC236}">
-                <a16:creationId xmlns:a16="http://schemas.microsoft.com/office/drawing/2014/main" id="{BF59D578-310A-44F5-829A-187605B2514A}"/>
-              </a:ext>
-            </a:extLst>
-          </p:cNvPr>
-          <p:cNvSpPr>
-            <a:spLocks noGrp="1"/>
-          </p:cNvSpPr>
-          <p:nvPr>
-            <p:ph type="title"/>
-          </p:nvPr>
-        </p:nvSpPr>
-        <p:spPr/>
-        <p:txBody>
-          <a:bodyPr/>
-          <a:lstStyle/>
-          <a:p>
-            <a:r>
-              <a:rPr lang="ru-RU" dirty="0"/>
-              <a:t>Вывод</a:t>
-            </a:r>
-          </a:p>
-        </p:txBody>
-      </p:sp>
-      <p:sp>
-        <p:nvSpPr>
-          <p:cNvPr id="3" name="Объект 2">
-            <a:extLst>
-              <a:ext uri="{FF2B5EF4-FFF2-40B4-BE49-F238E27FC236}">
-                <a16:creationId xmlns:a16="http://schemas.microsoft.com/office/drawing/2014/main" id="{18276D6D-FC48-41DF-A07F-8C41EEEB9C82}"/>
-              </a:ext>
-            </a:extLst>
-          </p:cNvPr>
-          <p:cNvSpPr>
-            <a:spLocks noGrp="1"/>
-          </p:cNvSpPr>
-          <p:nvPr>
-            <p:ph idx="1"/>
-          </p:nvPr>
-        </p:nvSpPr>
-        <p:spPr/>
-        <p:txBody>
-          <a:bodyPr/>
-          <a:lstStyle/>
-          <a:p>
-            <a:endParaRPr lang="ru-RU"/>
-          </a:p>
-        </p:txBody>
-      </p:sp>
-    </p:spTree>
-    <p:extLst>
-      <p:ext uri="{BB962C8B-B14F-4D97-AF65-F5344CB8AC3E}">
-        <p14:creationId xmlns:p14="http://schemas.microsoft.com/office/powerpoint/2010/main" val="2319406098"/>
-      </p:ext>
-    </p:extLst>
-  </p:cSld>
-  <p:clrMapOvr>
-    <a:masterClrMapping/>
-  </p:clrMapOvr>
-</p:sld>
-</file>
-
 <file path=ppt/slides/slide2.xml><?xml version="1.0" encoding="utf-8"?>
 <p:sld xmlns:a="http://schemas.openxmlformats.org/drawingml/2006/main" xmlns:r="http://schemas.openxmlformats.org/officeDocument/2006/relationships" xmlns:p="http://schemas.openxmlformats.org/presentationml/2006/main">
   <p:cSld>
@@ -6141,7 +6059,7 @@
 </file>
 
 <file path=ppt/slides/slide3.xml><?xml version="1.0" encoding="utf-8"?>
-<p:sld xmlns:a="http://schemas.openxmlformats.org/drawingml/2006/main" xmlns:r="http://schemas.openxmlformats.org/officeDocument/2006/relationships" xmlns:p="http://schemas.openxmlformats.org/presentationml/2006/main">
+<p:sld xmlns:a="http://schemas.openxmlformats.org/drawingml/2006/main" xmlns:r="http://schemas.openxmlformats.org/officeDocument/2006/relationships" xmlns:p="http://schemas.openxmlformats.org/presentationml/2006/main" show="0">
   <p:cSld>
     <p:spTree>
       <p:nvGrpSpPr>
@@ -6273,7 +6191,7 @@
           <p:cNvPr id="2" name="Заголовок 1">
             <a:extLst>
               <a:ext uri="{FF2B5EF4-FFF2-40B4-BE49-F238E27FC236}">
-                <a16:creationId xmlns:a16="http://schemas.microsoft.com/office/drawing/2014/main" id="{0F95C119-2226-432D-8724-99CF276653D2}"/>
+                <a16:creationId xmlns:a16="http://schemas.microsoft.com/office/drawing/2014/main" id="{D8210174-F90F-4184-86F2-91E1A5409276}"/>
               </a:ext>
             </a:extLst>
           </p:cNvPr>
@@ -6301,7 +6219,7 @@
           <p:cNvPr id="3" name="Объект 2">
             <a:extLst>
               <a:ext uri="{FF2B5EF4-FFF2-40B4-BE49-F238E27FC236}">
-                <a16:creationId xmlns:a16="http://schemas.microsoft.com/office/drawing/2014/main" id="{08030CF8-72EC-4498-AC75-369460EE0727}"/>
+                <a16:creationId xmlns:a16="http://schemas.microsoft.com/office/drawing/2014/main" id="{09F5B676-53CD-4EC0-BDFF-6B413E3C5A21}"/>
               </a:ext>
             </a:extLst>
           </p:cNvPr>
@@ -6312,12 +6230,7 @@
             <p:ph idx="1"/>
           </p:nvPr>
         </p:nvSpPr>
-        <p:spPr>
-          <a:xfrm>
-            <a:off x="838200" y="1834334"/>
-            <a:ext cx="10515600" cy="4351338"/>
-          </a:xfrm>
-        </p:spPr>
+        <p:spPr/>
         <p:txBody>
           <a:bodyPr/>
           <a:lstStyle/>
@@ -6361,13 +6274,16 @@
               <a:rPr lang="ru-RU" dirty="0"/>
               <a:t>Выборка состоит из объявлений по Москве и МО</a:t>
             </a:r>
+          </a:p>
+          <a:p>
+            <a:endParaRPr lang="ru-RU" dirty="0"/>
           </a:p>
         </p:txBody>
       </p:sp>
     </p:spTree>
     <p:extLst>
       <p:ext uri="{BB962C8B-B14F-4D97-AF65-F5344CB8AC3E}">
-        <p14:creationId xmlns:p14="http://schemas.microsoft.com/office/powerpoint/2010/main" val="1980725728"/>
+        <p14:creationId xmlns:p14="http://schemas.microsoft.com/office/powerpoint/2010/main" val="1518016682"/>
       </p:ext>
     </p:extLst>
   </p:cSld>
@@ -6848,13 +6764,6 @@
             <a:pPr lvl="1"/>
             <a:r>
               <a:rPr lang="en-US" dirty="0"/>
-              <a:t>SVM</a:t>
-            </a:r>
-          </a:p>
-          <a:p>
-            <a:pPr lvl="1"/>
-            <a:r>
-              <a:rPr lang="en-US" dirty="0"/>
               <a:t>Random forest</a:t>
             </a:r>
           </a:p>
@@ -6926,31 +6835,395 @@
           </a:p>
         </p:txBody>
       </p:sp>
-      <p:sp>
-        <p:nvSpPr>
-          <p:cNvPr id="3" name="Объект 2">
-            <a:extLst>
-              <a:ext uri="{FF2B5EF4-FFF2-40B4-BE49-F238E27FC236}">
-                <a16:creationId xmlns:a16="http://schemas.microsoft.com/office/drawing/2014/main" id="{8C898391-C27D-4E77-9B89-FF89E918FA41}"/>
-              </a:ext>
-            </a:extLst>
-          </p:cNvPr>
-          <p:cNvSpPr>
-            <a:spLocks noGrp="1"/>
-          </p:cNvSpPr>
-          <p:nvPr>
-            <p:ph idx="1"/>
-          </p:nvPr>
-        </p:nvSpPr>
-        <p:spPr/>
-        <p:txBody>
-          <a:bodyPr/>
-          <a:lstStyle/>
-          <a:p>
-            <a:endParaRPr lang="ru-RU" dirty="0"/>
-          </a:p>
-        </p:txBody>
-      </p:sp>
+      <mc:AlternateContent xmlns:mc="http://schemas.openxmlformats.org/markup-compatibility/2006">
+        <mc:Choice xmlns:a14="http://schemas.microsoft.com/office/drawing/2010/main" Requires="a14">
+          <p:sp>
+            <p:nvSpPr>
+              <p:cNvPr id="3" name="Объект 2">
+                <a:extLst>
+                  <a:ext uri="{FF2B5EF4-FFF2-40B4-BE49-F238E27FC236}">
+                    <a16:creationId xmlns:a16="http://schemas.microsoft.com/office/drawing/2014/main" id="{8C898391-C27D-4E77-9B89-FF89E918FA41}"/>
+                  </a:ext>
+                </a:extLst>
+              </p:cNvPr>
+              <p:cNvSpPr>
+                <a:spLocks noGrp="1"/>
+              </p:cNvSpPr>
+              <p:nvPr>
+                <p:ph idx="1"/>
+              </p:nvPr>
+            </p:nvSpPr>
+            <p:spPr/>
+            <p:txBody>
+              <a:bodyPr/>
+              <a:lstStyle/>
+              <a:p>
+                <a:r>
+                  <a:rPr lang="en-US" dirty="0"/>
+                  <a:t>Lasso:		</a:t>
+                </a:r>
+                <a14:m>
+                  <m:oMath xmlns:m="http://schemas.openxmlformats.org/officeDocument/2006/math">
+                    <m:sSup>
+                      <m:sSupPr>
+                        <m:ctrlPr>
+                          <a:rPr lang="en-US" i="1">
+                            <a:latin typeface="Cambria Math" panose="02040503050406030204" pitchFamily="18" charset="0"/>
+                          </a:rPr>
+                        </m:ctrlPr>
+                      </m:sSupPr>
+                      <m:e>
+                        <m:r>
+                          <a:rPr lang="en-US" i="1">
+                            <a:latin typeface="Cambria Math" panose="02040503050406030204" pitchFamily="18" charset="0"/>
+                          </a:rPr>
+                          <m:t>𝑅</m:t>
+                        </m:r>
+                      </m:e>
+                      <m:sup>
+                        <m:r>
+                          <a:rPr lang="en-US" i="1">
+                            <a:latin typeface="Cambria Math" panose="02040503050406030204" pitchFamily="18" charset="0"/>
+                          </a:rPr>
+                          <m:t>2</m:t>
+                        </m:r>
+                      </m:sup>
+                    </m:sSup>
+                    <m:r>
+                      <a:rPr lang="en-US" i="1">
+                        <a:latin typeface="Cambria Math" panose="02040503050406030204" pitchFamily="18" charset="0"/>
+                      </a:rPr>
+                      <m:t>=0,85</m:t>
+                    </m:r>
+                    <m:r>
+                      <a:rPr lang="en-US" b="0" i="1" smtClean="0">
+                        <a:latin typeface="Cambria Math" panose="02040503050406030204" pitchFamily="18" charset="0"/>
+                      </a:rPr>
+                      <m:t>29</m:t>
+                    </m:r>
+                  </m:oMath>
+                </a14:m>
+                <a:r>
+                  <a:rPr lang="en-US" dirty="0"/>
+                  <a:t>,	</a:t>
+                </a:r>
+                <a14:m>
+                  <m:oMath xmlns:m="http://schemas.openxmlformats.org/officeDocument/2006/math">
+                    <m:r>
+                      <m:rPr>
+                        <m:sty m:val="p"/>
+                      </m:rPr>
+                      <a:rPr lang="en-US">
+                        <a:latin typeface="Cambria Math" panose="02040503050406030204" pitchFamily="18" charset="0"/>
+                      </a:rPr>
+                      <m:t>rmse</m:t>
+                    </m:r>
+                    <m:r>
+                      <a:rPr lang="en-US" i="1">
+                        <a:latin typeface="Cambria Math" panose="02040503050406030204" pitchFamily="18" charset="0"/>
+                      </a:rPr>
+                      <m:t>=</m:t>
+                    </m:r>
+                    <m:r>
+                      <a:rPr lang="en-US" b="0" i="1" smtClean="0">
+                        <a:latin typeface="Cambria Math" panose="02040503050406030204" pitchFamily="18" charset="0"/>
+                      </a:rPr>
+                      <m:t>399920</m:t>
+                    </m:r>
+                  </m:oMath>
+                </a14:m>
+                <a:endParaRPr lang="en-US" dirty="0"/>
+              </a:p>
+              <a:p>
+                <a:r>
+                  <a:rPr lang="en-US" dirty="0"/>
+                  <a:t>Ridge:		</a:t>
+                </a:r>
+                <a14:m>
+                  <m:oMath xmlns:m="http://schemas.openxmlformats.org/officeDocument/2006/math">
+                    <m:sSup>
+                      <m:sSupPr>
+                        <m:ctrlPr>
+                          <a:rPr lang="en-US" b="0" i="1" smtClean="0">
+                            <a:latin typeface="Cambria Math" panose="02040503050406030204" pitchFamily="18" charset="0"/>
+                          </a:rPr>
+                        </m:ctrlPr>
+                      </m:sSupPr>
+                      <m:e>
+                        <m:r>
+                          <a:rPr lang="en-US" b="0" i="1" smtClean="0">
+                            <a:latin typeface="Cambria Math" panose="02040503050406030204" pitchFamily="18" charset="0"/>
+                          </a:rPr>
+                          <m:t>𝑅</m:t>
+                        </m:r>
+                      </m:e>
+                      <m:sup>
+                        <m:r>
+                          <a:rPr lang="en-US" b="0" i="1" smtClean="0">
+                            <a:latin typeface="Cambria Math" panose="02040503050406030204" pitchFamily="18" charset="0"/>
+                          </a:rPr>
+                          <m:t>2</m:t>
+                        </m:r>
+                      </m:sup>
+                    </m:sSup>
+                    <m:r>
+                      <a:rPr lang="en-US" b="0" i="1" smtClean="0">
+                        <a:latin typeface="Cambria Math" panose="02040503050406030204" pitchFamily="18" charset="0"/>
+                      </a:rPr>
+                      <m:t>=0,8532</m:t>
+                    </m:r>
+                  </m:oMath>
+                </a14:m>
+                <a:r>
+                  <a:rPr lang="en-US" b="0" dirty="0"/>
+                  <a:t>,	</a:t>
+                </a:r>
+                <a14:m>
+                  <m:oMath xmlns:m="http://schemas.openxmlformats.org/officeDocument/2006/math">
+                    <m:r>
+                      <m:rPr>
+                        <m:sty m:val="p"/>
+                      </m:rPr>
+                      <a:rPr lang="en-US">
+                        <a:latin typeface="Cambria Math" panose="02040503050406030204" pitchFamily="18" charset="0"/>
+                      </a:rPr>
+                      <m:t>rmse</m:t>
+                    </m:r>
+                    <m:r>
+                      <a:rPr lang="en-US" i="1">
+                        <a:latin typeface="Cambria Math" panose="02040503050406030204" pitchFamily="18" charset="0"/>
+                      </a:rPr>
+                      <m:t>=</m:t>
+                    </m:r>
+                    <m:r>
+                      <a:rPr lang="en-US" b="0" i="1" smtClean="0">
+                        <a:latin typeface="Cambria Math" panose="02040503050406030204" pitchFamily="18" charset="0"/>
+                      </a:rPr>
+                      <m:t>399560</m:t>
+                    </m:r>
+                    <m:r>
+                      <a:rPr lang="en-US" i="1">
+                        <a:latin typeface="Cambria Math" panose="02040503050406030204" pitchFamily="18" charset="0"/>
+                      </a:rPr>
+                      <m:t> </m:t>
+                    </m:r>
+                  </m:oMath>
+                </a14:m>
+                <a:r>
+                  <a:rPr lang="en-US" b="0" dirty="0"/>
+                  <a:t>	</a:t>
+                </a:r>
+              </a:p>
+              <a:p>
+                <a:r>
+                  <a:rPr lang="en-US" dirty="0"/>
+                  <a:t>Random forest:	</a:t>
+                </a:r>
+                <a14:m>
+                  <m:oMath xmlns:m="http://schemas.openxmlformats.org/officeDocument/2006/math">
+                    <m:sSup>
+                      <m:sSupPr>
+                        <m:ctrlPr>
+                          <a:rPr lang="en-US" i="1" smtClean="0">
+                            <a:latin typeface="Cambria Math" panose="02040503050406030204" pitchFamily="18" charset="0"/>
+                          </a:rPr>
+                        </m:ctrlPr>
+                      </m:sSupPr>
+                      <m:e>
+                        <m:r>
+                          <a:rPr lang="en-US" i="1">
+                            <a:latin typeface="Cambria Math" panose="02040503050406030204" pitchFamily="18" charset="0"/>
+                          </a:rPr>
+                          <m:t>𝑅</m:t>
+                        </m:r>
+                      </m:e>
+                      <m:sup>
+                        <m:r>
+                          <a:rPr lang="en-US" i="1">
+                            <a:latin typeface="Cambria Math" panose="02040503050406030204" pitchFamily="18" charset="0"/>
+                          </a:rPr>
+                          <m:t>2</m:t>
+                        </m:r>
+                      </m:sup>
+                    </m:sSup>
+                    <m:r>
+                      <a:rPr lang="en-US" i="1">
+                        <a:latin typeface="Cambria Math" panose="02040503050406030204" pitchFamily="18" charset="0"/>
+                      </a:rPr>
+                      <m:t>=0,</m:t>
+                    </m:r>
+                    <m:r>
+                      <a:rPr lang="en-US" b="0" i="1" smtClean="0">
+                        <a:latin typeface="Cambria Math" panose="02040503050406030204" pitchFamily="18" charset="0"/>
+                      </a:rPr>
+                      <m:t>9456</m:t>
+                    </m:r>
+                  </m:oMath>
+                </a14:m>
+                <a:r>
+                  <a:rPr lang="en-US" dirty="0"/>
+                  <a:t>,	</a:t>
+                </a:r>
+                <a14:m>
+                  <m:oMath xmlns:m="http://schemas.openxmlformats.org/officeDocument/2006/math">
+                    <m:r>
+                      <m:rPr>
+                        <m:sty m:val="p"/>
+                      </m:rPr>
+                      <a:rPr lang="en-US" b="0" i="0" smtClean="0">
+                        <a:latin typeface="Cambria Math" panose="02040503050406030204" pitchFamily="18" charset="0"/>
+                      </a:rPr>
+                      <m:t>rmse</m:t>
+                    </m:r>
+                    <m:r>
+                      <a:rPr lang="en-US" i="1">
+                        <a:latin typeface="Cambria Math" panose="02040503050406030204" pitchFamily="18" charset="0"/>
+                      </a:rPr>
+                      <m:t>=</m:t>
+                    </m:r>
+                    <m:r>
+                      <a:rPr lang="en-US" b="0" i="1" smtClean="0">
+                        <a:latin typeface="Cambria Math" panose="02040503050406030204" pitchFamily="18" charset="0"/>
+                      </a:rPr>
+                      <m:t>243130</m:t>
+                    </m:r>
+                  </m:oMath>
+                </a14:m>
+                <a:endParaRPr lang="ru-RU" dirty="0"/>
+              </a:p>
+              <a:p>
+                <a:r>
+                  <a:rPr lang="en-US" dirty="0" err="1"/>
+                  <a:t>XGBoost</a:t>
+                </a:r>
+                <a:r>
+                  <a:rPr lang="en-US" dirty="0"/>
+                  <a:t>:		</a:t>
+                </a:r>
+                <a14:m>
+                  <m:oMath xmlns:m="http://schemas.openxmlformats.org/officeDocument/2006/math">
+                    <m:sSup>
+                      <m:sSupPr>
+                        <m:ctrlPr>
+                          <a:rPr lang="en-US" i="1">
+                            <a:latin typeface="Cambria Math" panose="02040503050406030204" pitchFamily="18" charset="0"/>
+                          </a:rPr>
+                        </m:ctrlPr>
+                      </m:sSupPr>
+                      <m:e>
+                        <m:r>
+                          <a:rPr lang="en-US" i="1">
+                            <a:latin typeface="Cambria Math" panose="02040503050406030204" pitchFamily="18" charset="0"/>
+                          </a:rPr>
+                          <m:t>𝑅</m:t>
+                        </m:r>
+                      </m:e>
+                      <m:sup>
+                        <m:r>
+                          <a:rPr lang="en-US" i="1">
+                            <a:latin typeface="Cambria Math" panose="02040503050406030204" pitchFamily="18" charset="0"/>
+                          </a:rPr>
+                          <m:t>2</m:t>
+                        </m:r>
+                      </m:sup>
+                    </m:sSup>
+                    <m:r>
+                      <a:rPr lang="en-US" i="1">
+                        <a:latin typeface="Cambria Math" panose="02040503050406030204" pitchFamily="18" charset="0"/>
+                      </a:rPr>
+                      <m:t>=0,</m:t>
+                    </m:r>
+                    <m:r>
+                      <a:rPr lang="en-US" i="1">
+                        <a:latin typeface="Cambria Math" panose="02040503050406030204" pitchFamily="18" charset="0"/>
+                      </a:rPr>
+                      <m:t>9</m:t>
+                    </m:r>
+                    <m:r>
+                      <a:rPr lang="en-US" b="0" i="1" smtClean="0">
+                        <a:latin typeface="Cambria Math" panose="02040503050406030204" pitchFamily="18" charset="0"/>
+                      </a:rPr>
+                      <m:t>602</m:t>
+                    </m:r>
+                  </m:oMath>
+                </a14:m>
+                <a:r>
+                  <a:rPr lang="en-US" dirty="0"/>
+                  <a:t>,	</a:t>
+                </a:r>
+                <a14:m>
+                  <m:oMath xmlns:m="http://schemas.openxmlformats.org/officeDocument/2006/math">
+                    <m:r>
+                      <m:rPr>
+                        <m:sty m:val="p"/>
+                      </m:rPr>
+                      <a:rPr lang="en-US">
+                        <a:latin typeface="Cambria Math" panose="02040503050406030204" pitchFamily="18" charset="0"/>
+                      </a:rPr>
+                      <m:t>rmse</m:t>
+                    </m:r>
+                    <m:r>
+                      <a:rPr lang="en-US" i="1">
+                        <a:latin typeface="Cambria Math" panose="02040503050406030204" pitchFamily="18" charset="0"/>
+                      </a:rPr>
+                      <m:t>=</m:t>
+                    </m:r>
+                    <m:r>
+                      <a:rPr lang="en-US" b="0" i="1" smtClean="0">
+                        <a:latin typeface="Cambria Math" panose="02040503050406030204" pitchFamily="18" charset="0"/>
+                      </a:rPr>
+                      <m:t>207890</m:t>
+                    </m:r>
+                  </m:oMath>
+                </a14:m>
+                <a:endParaRPr lang="ru-RU" dirty="0"/>
+              </a:p>
+              <a:p>
+                <a:endParaRPr lang="ru-RU" dirty="0"/>
+              </a:p>
+            </p:txBody>
+          </p:sp>
+        </mc:Choice>
+        <mc:Fallback>
+          <p:sp>
+            <p:nvSpPr>
+              <p:cNvPr id="3" name="Объект 2">
+                <a:extLst>
+                  <a:ext uri="{FF2B5EF4-FFF2-40B4-BE49-F238E27FC236}">
+                    <a16:creationId xmlns:a16="http://schemas.microsoft.com/office/drawing/2014/main" id="{8C898391-C27D-4E77-9B89-FF89E918FA41}"/>
+                  </a:ext>
+                </a:extLst>
+              </p:cNvPr>
+              <p:cNvSpPr>
+                <a:spLocks noGrp="1" noRot="1" noChangeAspect="1" noMove="1" noResize="1" noEditPoints="1" noAdjustHandles="1" noChangeArrowheads="1" noChangeShapeType="1" noTextEdit="1"/>
+              </p:cNvSpPr>
+              <p:nvPr>
+                <p:ph idx="1"/>
+              </p:nvPr>
+            </p:nvSpPr>
+            <p:spPr>
+              <a:blipFill>
+                <a:blip r:embed="rId2"/>
+                <a:stretch>
+                  <a:fillRect l="-676" t="-1970"/>
+                </a:stretch>
+              </a:blipFill>
+            </p:spPr>
+            <p:txBody>
+              <a:bodyPr/>
+              <a:lstStyle/>
+              <a:p>
+                <a:r>
+                  <a:rPr lang="ru-RU">
+                    <a:noFill/>
+                  </a:rPr>
+                  <a:t> </a:t>
+                </a:r>
+              </a:p>
+            </p:txBody>
+          </p:sp>
+        </mc:Fallback>
+      </mc:AlternateContent>
     </p:spTree>
     <p:extLst>
       <p:ext uri="{BB962C8B-B14F-4D97-AF65-F5344CB8AC3E}">

--- a/Предсказание цены автомобиля.pptx
+++ b/Предсказание цены автомобиля.pptx
@@ -7,14 +7,15 @@
   <p:sldIdLst>
     <p:sldId id="256" r:id="rId2"/>
     <p:sldId id="257" r:id="rId3"/>
-    <p:sldId id="263" r:id="rId4"/>
-    <p:sldId id="268" r:id="rId5"/>
-    <p:sldId id="267" r:id="rId6"/>
-    <p:sldId id="260" r:id="rId7"/>
-    <p:sldId id="266" r:id="rId8"/>
-    <p:sldId id="262" r:id="rId9"/>
-    <p:sldId id="259" r:id="rId10"/>
-    <p:sldId id="264" r:id="rId11"/>
+    <p:sldId id="268" r:id="rId4"/>
+    <p:sldId id="267" r:id="rId5"/>
+    <p:sldId id="260" r:id="rId6"/>
+    <p:sldId id="266" r:id="rId7"/>
+    <p:sldId id="262" r:id="rId8"/>
+    <p:sldId id="259" r:id="rId9"/>
+    <p:sldId id="269" r:id="rId10"/>
+    <p:sldId id="270" r:id="rId11"/>
+    <p:sldId id="264" r:id="rId12"/>
   </p:sldIdLst>
   <p:sldSz cx="12192000" cy="6858000"/>
   <p:notesSz cx="6858000" cy="9144000"/>
@@ -124,7 +125,6 @@
         <p14:section name="Введение" id="{A7080762-8313-4827-BD98-B861E80FFF6F}">
           <p14:sldIdLst>
             <p14:sldId id="257"/>
-            <p14:sldId id="263"/>
           </p14:sldIdLst>
         </p14:section>
         <p14:section name="Обработка данных" id="{F240F1B0-D8EA-46FA-866F-BF3B95D056A8}">
@@ -139,6 +139,8 @@
         <p14:section name="Результаты" id="{2B0B2B0D-11B9-4741-97F9-7DD24E1DF3DA}">
           <p14:sldIdLst>
             <p14:sldId id="259"/>
+            <p14:sldId id="269"/>
+            <p14:sldId id="270"/>
             <p14:sldId id="264"/>
           </p14:sldIdLst>
         </p14:section>
@@ -5888,6 +5890,218 @@
           <p:cNvPr id="2" name="Заголовок 1">
             <a:extLst>
               <a:ext uri="{FF2B5EF4-FFF2-40B4-BE49-F238E27FC236}">
+                <a16:creationId xmlns:a16="http://schemas.microsoft.com/office/drawing/2014/main" id="{2EB43D84-12F4-4DE5-96E0-92D69A12FCEF}"/>
+              </a:ext>
+            </a:extLst>
+          </p:cNvPr>
+          <p:cNvSpPr>
+            <a:spLocks noGrp="1"/>
+          </p:cNvSpPr>
+          <p:nvPr>
+            <p:ph type="title"/>
+          </p:nvPr>
+        </p:nvSpPr>
+        <p:spPr>
+          <a:xfrm>
+            <a:off x="2895600" y="764373"/>
+            <a:ext cx="8610600" cy="1293028"/>
+          </a:xfrm>
+        </p:spPr>
+        <p:txBody>
+          <a:bodyPr/>
+          <a:lstStyle/>
+          <a:p>
+            <a:r>
+              <a:rPr lang="en-US" dirty="0"/>
+              <a:t>RMSE </a:t>
+            </a:r>
+            <a:r>
+              <a:rPr lang="ru-RU" dirty="0"/>
+              <a:t>для </a:t>
+            </a:r>
+            <a:r>
+              <a:rPr lang="en-US" dirty="0"/>
+              <a:t>Random forest </a:t>
+            </a:r>
+            <a:r>
+              <a:rPr lang="ru-RU" dirty="0"/>
+              <a:t>и </a:t>
+            </a:r>
+            <a:r>
+              <a:rPr lang="en-US" dirty="0" err="1"/>
+              <a:t>XGBoost</a:t>
+            </a:r>
+            <a:endParaRPr lang="ru-RU" dirty="0"/>
+          </a:p>
+        </p:txBody>
+      </p:sp>
+      <p:pic>
+        <p:nvPicPr>
+          <p:cNvPr id="9" name="Рисунок 8">
+            <a:extLst>
+              <a:ext uri="{FF2B5EF4-FFF2-40B4-BE49-F238E27FC236}">
+                <a16:creationId xmlns:a16="http://schemas.microsoft.com/office/drawing/2014/main" id="{23DDF6A8-80DA-4035-A3CF-5E9C910112D7}"/>
+              </a:ext>
+            </a:extLst>
+          </p:cNvPr>
+          <p:cNvPicPr>
+            <a:picLocks noChangeAspect="1"/>
+          </p:cNvPicPr>
+          <p:nvPr/>
+        </p:nvPicPr>
+        <p:blipFill>
+          <a:blip r:embed="rId2"/>
+          <a:stretch>
+            <a:fillRect/>
+          </a:stretch>
+        </p:blipFill>
+        <p:spPr>
+          <a:xfrm>
+            <a:off x="6096000" y="2905143"/>
+            <a:ext cx="5023128" cy="3188484"/>
+          </a:xfrm>
+          <a:prstGeom prst="rect">
+            <a:avLst/>
+          </a:prstGeom>
+        </p:spPr>
+      </p:pic>
+      <p:pic>
+        <p:nvPicPr>
+          <p:cNvPr id="11" name="Рисунок 10">
+            <a:extLst>
+              <a:ext uri="{FF2B5EF4-FFF2-40B4-BE49-F238E27FC236}">
+                <a16:creationId xmlns:a16="http://schemas.microsoft.com/office/drawing/2014/main" id="{01810DC6-CE99-456C-9F1A-91C1307EC202}"/>
+              </a:ext>
+            </a:extLst>
+          </p:cNvPr>
+          <p:cNvPicPr>
+            <a:picLocks noChangeAspect="1"/>
+          </p:cNvPicPr>
+          <p:nvPr/>
+        </p:nvPicPr>
+        <p:blipFill>
+          <a:blip r:embed="rId3"/>
+          <a:stretch>
+            <a:fillRect/>
+          </a:stretch>
+        </p:blipFill>
+        <p:spPr>
+          <a:xfrm>
+            <a:off x="384036" y="2905143"/>
+            <a:ext cx="5023128" cy="3188484"/>
+          </a:xfrm>
+          <a:prstGeom prst="rect">
+            <a:avLst/>
+          </a:prstGeom>
+        </p:spPr>
+      </p:pic>
+      <p:sp>
+        <p:nvSpPr>
+          <p:cNvPr id="14" name="TextBox 13">
+            <a:extLst>
+              <a:ext uri="{FF2B5EF4-FFF2-40B4-BE49-F238E27FC236}">
+                <a16:creationId xmlns:a16="http://schemas.microsoft.com/office/drawing/2014/main" id="{DF7714C8-2FE6-45F1-BC3E-3AB754D78A77}"/>
+              </a:ext>
+            </a:extLst>
+          </p:cNvPr>
+          <p:cNvSpPr txBox="1"/>
+          <p:nvPr/>
+        </p:nvSpPr>
+        <p:spPr>
+          <a:xfrm>
+            <a:off x="1802191" y="2474256"/>
+            <a:ext cx="2186817" cy="430887"/>
+          </a:xfrm>
+          <a:prstGeom prst="rect">
+            <a:avLst/>
+          </a:prstGeom>
+          <a:noFill/>
+        </p:spPr>
+        <p:txBody>
+          <a:bodyPr wrap="none" rtlCol="0">
+            <a:spAutoFit/>
+          </a:bodyPr>
+          <a:lstStyle/>
+          <a:p>
+            <a:r>
+              <a:rPr lang="en-US" sz="2200" dirty="0"/>
+              <a:t>Random forest</a:t>
+            </a:r>
+            <a:endParaRPr lang="ru-RU" sz="2200" dirty="0"/>
+          </a:p>
+        </p:txBody>
+      </p:sp>
+      <p:sp>
+        <p:nvSpPr>
+          <p:cNvPr id="15" name="TextBox 14">
+            <a:extLst>
+              <a:ext uri="{FF2B5EF4-FFF2-40B4-BE49-F238E27FC236}">
+                <a16:creationId xmlns:a16="http://schemas.microsoft.com/office/drawing/2014/main" id="{89AE6228-A080-481F-ABE4-5B1E17CEBCAF}"/>
+              </a:ext>
+            </a:extLst>
+          </p:cNvPr>
+          <p:cNvSpPr txBox="1"/>
+          <p:nvPr/>
+        </p:nvSpPr>
+        <p:spPr>
+          <a:xfrm>
+            <a:off x="7938951" y="2474255"/>
+            <a:ext cx="1337226" cy="430887"/>
+          </a:xfrm>
+          <a:prstGeom prst="rect">
+            <a:avLst/>
+          </a:prstGeom>
+          <a:noFill/>
+        </p:spPr>
+        <p:txBody>
+          <a:bodyPr wrap="none" rtlCol="0">
+            <a:spAutoFit/>
+          </a:bodyPr>
+          <a:lstStyle/>
+          <a:p>
+            <a:r>
+              <a:rPr lang="en-US" sz="2200" dirty="0" err="1"/>
+              <a:t>XGBoost</a:t>
+            </a:r>
+            <a:endParaRPr lang="ru-RU" sz="2200" dirty="0"/>
+          </a:p>
+        </p:txBody>
+      </p:sp>
+    </p:spTree>
+    <p:extLst>
+      <p:ext uri="{BB962C8B-B14F-4D97-AF65-F5344CB8AC3E}">
+        <p14:creationId xmlns:p14="http://schemas.microsoft.com/office/powerpoint/2010/main" val="4205962595"/>
+      </p:ext>
+    </p:extLst>
+  </p:cSld>
+  <p:clrMapOvr>
+    <a:masterClrMapping/>
+  </p:clrMapOvr>
+</p:sld>
+</file>
+
+<file path=ppt/slides/slide11.xml><?xml version="1.0" encoding="utf-8"?>
+<p:sld xmlns:a="http://schemas.openxmlformats.org/drawingml/2006/main" xmlns:r="http://schemas.openxmlformats.org/officeDocument/2006/relationships" xmlns:p="http://schemas.openxmlformats.org/presentationml/2006/main">
+  <p:cSld>
+    <p:spTree>
+      <p:nvGrpSpPr>
+        <p:cNvPr id="1" name=""/>
+        <p:cNvGrpSpPr/>
+        <p:nvPr/>
+      </p:nvGrpSpPr>
+      <p:grpSpPr>
+        <a:xfrm>
+          <a:off x="0" y="0"/>
+          <a:ext cx="0" cy="0"/>
+          <a:chOff x="0" y="0"/>
+          <a:chExt cx="0" cy="0"/>
+        </a:xfrm>
+      </p:grpSpPr>
+      <p:sp>
+        <p:nvSpPr>
+          <p:cNvPr id="2" name="Заголовок 1">
+            <a:extLst>
+              <a:ext uri="{FF2B5EF4-FFF2-40B4-BE49-F238E27FC236}">
                 <a16:creationId xmlns:a16="http://schemas.microsoft.com/office/drawing/2014/main" id="{DC98A237-DF23-4216-BE0F-29E489A42753}"/>
               </a:ext>
             </a:extLst>
@@ -6059,7 +6273,7 @@
 </file>
 
 <file path=ppt/slides/slide3.xml><?xml version="1.0" encoding="utf-8"?>
-<p:sld xmlns:a="http://schemas.openxmlformats.org/drawingml/2006/main" xmlns:r="http://schemas.openxmlformats.org/officeDocument/2006/relationships" xmlns:p="http://schemas.openxmlformats.org/presentationml/2006/main" show="0">
+<p:sld xmlns:a="http://schemas.openxmlformats.org/drawingml/2006/main" xmlns:r="http://schemas.openxmlformats.org/officeDocument/2006/relationships" xmlns:p="http://schemas.openxmlformats.org/presentationml/2006/main">
   <p:cSld>
     <p:spTree>
       <p:nvGrpSpPr>
@@ -6080,7 +6294,7 @@
           <p:cNvPr id="2" name="Заголовок 1">
             <a:extLst>
               <a:ext uri="{FF2B5EF4-FFF2-40B4-BE49-F238E27FC236}">
-                <a16:creationId xmlns:a16="http://schemas.microsoft.com/office/drawing/2014/main" id="{DEE60068-24C0-4B8D-9990-AA9864F279B4}"/>
+                <a16:creationId xmlns:a16="http://schemas.microsoft.com/office/drawing/2014/main" id="{D8210174-F90F-4184-86F2-91E1A5409276}"/>
               </a:ext>
             </a:extLst>
           </p:cNvPr>
@@ -6098,7 +6312,7 @@
           <a:p>
             <a:r>
               <a:rPr lang="ru-RU" dirty="0"/>
-              <a:t>Последовательность работ</a:t>
+              <a:t>Получение данных</a:t>
             </a:r>
           </a:p>
         </p:txBody>
@@ -6108,7 +6322,7 @@
           <p:cNvPr id="3" name="Объект 2">
             <a:extLst>
               <a:ext uri="{FF2B5EF4-FFF2-40B4-BE49-F238E27FC236}">
-                <a16:creationId xmlns:a16="http://schemas.microsoft.com/office/drawing/2014/main" id="{F4485384-1132-42D6-8553-1131BF07581F}"/>
+                <a16:creationId xmlns:a16="http://schemas.microsoft.com/office/drawing/2014/main" id="{09F5B676-53CD-4EC0-BDFF-6B413E3C5A21}"/>
               </a:ext>
             </a:extLst>
           </p:cNvPr>
@@ -6126,40 +6340,53 @@
           <a:p>
             <a:r>
               <a:rPr lang="ru-RU" dirty="0"/>
-              <a:t>Получение данных</a:t>
+              <a:t>Источник данных:		</a:t>
+            </a:r>
+            <a:r>
+              <a:rPr lang="en-US" dirty="0"/>
+              <a:t>	avito.ru</a:t>
             </a:r>
           </a:p>
           <a:p>
             <a:r>
               <a:rPr lang="ru-RU" dirty="0"/>
-              <a:t>Обработка</a:t>
-            </a:r>
-          </a:p>
-          <a:p>
+              <a:t>Используемые библиотеки:</a:t>
+            </a:r>
+            <a:r>
+              <a:rPr lang="en-US" dirty="0"/>
+              <a:t>	Beautiful soup,</a:t>
+            </a:r>
             <a:r>
               <a:rPr lang="ru-RU" dirty="0"/>
-              <a:t>Анализ</a:t>
-            </a:r>
-            <a:endParaRPr lang="en-US" dirty="0"/>
+              <a:t> </a:t>
+            </a:r>
+            <a:r>
+              <a:rPr lang="en-US" dirty="0"/>
+              <a:t>requests</a:t>
+            </a:r>
+            <a:endParaRPr lang="ru-RU" dirty="0"/>
           </a:p>
           <a:p>
             <a:r>
               <a:rPr lang="ru-RU" dirty="0"/>
-              <a:t>Проверка модели на тестовой выборке</a:t>
+              <a:t>Года выпуска автомобилей:	2000-2018</a:t>
             </a:r>
           </a:p>
           <a:p>
             <a:r>
               <a:rPr lang="ru-RU" dirty="0"/>
-              <a:t>Выводы</a:t>
-            </a:r>
+              <a:t>Выборка состоит из объявлений по Москве и МО</a:t>
+            </a:r>
+          </a:p>
+          <a:p>
+            <a:endParaRPr lang="ru-RU" dirty="0"/>
           </a:p>
         </p:txBody>
       </p:sp>
     </p:spTree>
     <p:extLst>
       <p:ext uri="{BB962C8B-B14F-4D97-AF65-F5344CB8AC3E}">
-        <p14:creationId xmlns:p14="http://schemas.microsoft.com/office/powerpoint/2010/main" val="2867606552"/>
+        <p14:creationId xmlns:p14="http://schemas.microsoft.com/office/powerpoint/2010/main" val="1518016682"/>
       </p:ext>
     </p:extLst>
   </p:cSld>
@@ -6191,7 +6418,7 @@
           <p:cNvPr id="2" name="Заголовок 1">
             <a:extLst>
               <a:ext uri="{FF2B5EF4-FFF2-40B4-BE49-F238E27FC236}">
-                <a16:creationId xmlns:a16="http://schemas.microsoft.com/office/drawing/2014/main" id="{D8210174-F90F-4184-86F2-91E1A5409276}"/>
+                <a16:creationId xmlns:a16="http://schemas.microsoft.com/office/drawing/2014/main" id="{E7CD9FE2-7C38-4F0E-B18B-DF7C18F3CBE0}"/>
               </a:ext>
             </a:extLst>
           </p:cNvPr>
@@ -6207,83 +6434,73 @@
           <a:bodyPr/>
           <a:lstStyle/>
           <a:p>
-            <a:r>
-              <a:rPr lang="ru-RU" dirty="0"/>
-              <a:t>Получение данных</a:t>
-            </a:r>
-          </a:p>
-        </p:txBody>
-      </p:sp>
-      <p:sp>
-        <p:nvSpPr>
-          <p:cNvPr id="3" name="Объект 2">
+            <a:endParaRPr lang="ru-RU" dirty="0"/>
+          </a:p>
+        </p:txBody>
+      </p:sp>
+      <p:pic>
+        <p:nvPicPr>
+          <p:cNvPr id="7" name="Рисунок 6">
             <a:extLst>
               <a:ext uri="{FF2B5EF4-FFF2-40B4-BE49-F238E27FC236}">
-                <a16:creationId xmlns:a16="http://schemas.microsoft.com/office/drawing/2014/main" id="{09F5B676-53CD-4EC0-BDFF-6B413E3C5A21}"/>
+                <a16:creationId xmlns:a16="http://schemas.microsoft.com/office/drawing/2014/main" id="{B782A214-BCAD-4F69-A915-178032C33B9B}"/>
               </a:ext>
             </a:extLst>
           </p:cNvPr>
-          <p:cNvSpPr>
-            <a:spLocks noGrp="1"/>
-          </p:cNvSpPr>
+          <p:cNvPicPr>
+            <a:picLocks noChangeAspect="1"/>
+          </p:cNvPicPr>
+          <p:nvPr/>
+        </p:nvPicPr>
+        <p:blipFill>
+          <a:blip r:embed="rId2"/>
+          <a:stretch>
+            <a:fillRect/>
+          </a:stretch>
+        </p:blipFill>
+        <p:spPr>
+          <a:xfrm>
+            <a:off x="226802" y="2057401"/>
+            <a:ext cx="5869198" cy="4237793"/>
+          </a:xfrm>
+          <a:prstGeom prst="rect">
+            <a:avLst/>
+          </a:prstGeom>
+        </p:spPr>
+      </p:pic>
+      <p:pic>
+        <p:nvPicPr>
+          <p:cNvPr id="11" name="Объект 10">
+            <a:extLst>
+              <a:ext uri="{FF2B5EF4-FFF2-40B4-BE49-F238E27FC236}">
+                <a16:creationId xmlns:a16="http://schemas.microsoft.com/office/drawing/2014/main" id="{00F1BC13-C2F4-4FEF-8F03-F1B599566EE7}"/>
+              </a:ext>
+            </a:extLst>
+          </p:cNvPr>
+          <p:cNvPicPr>
+            <a:picLocks noGrp="1" noChangeAspect="1"/>
+          </p:cNvPicPr>
           <p:nvPr>
             <p:ph idx="1"/>
           </p:nvPr>
-        </p:nvSpPr>
-        <p:spPr/>
-        <p:txBody>
-          <a:bodyPr/>
-          <a:lstStyle/>
-          <a:p>
-            <a:r>
-              <a:rPr lang="ru-RU" dirty="0"/>
-              <a:t>Источник данных:		</a:t>
-            </a:r>
-            <a:r>
-              <a:rPr lang="en-US" dirty="0"/>
-              <a:t>	avito.ru</a:t>
-            </a:r>
-          </a:p>
-          <a:p>
-            <a:r>
-              <a:rPr lang="ru-RU" dirty="0"/>
-              <a:t>Используемые библиотеки:</a:t>
-            </a:r>
-            <a:r>
-              <a:rPr lang="en-US" dirty="0"/>
-              <a:t>	Beautiful soup,</a:t>
-            </a:r>
-            <a:r>
-              <a:rPr lang="ru-RU" dirty="0"/>
-              <a:t> </a:t>
-            </a:r>
-            <a:r>
-              <a:rPr lang="en-US" dirty="0"/>
-              <a:t>requests</a:t>
-            </a:r>
-            <a:endParaRPr lang="ru-RU" dirty="0"/>
-          </a:p>
-          <a:p>
-            <a:r>
-              <a:rPr lang="ru-RU" dirty="0"/>
-              <a:t>Года выпуска автомобилей:	2000-2018</a:t>
-            </a:r>
-          </a:p>
-          <a:p>
-            <a:r>
-              <a:rPr lang="ru-RU" dirty="0"/>
-              <a:t>Выборка состоит из объявлений по Москве и МО</a:t>
-            </a:r>
-          </a:p>
-          <a:p>
-            <a:endParaRPr lang="ru-RU" dirty="0"/>
-          </a:p>
-        </p:txBody>
-      </p:sp>
+        </p:nvPicPr>
+        <p:blipFill>
+          <a:blip r:embed="rId3"/>
+          <a:stretch>
+            <a:fillRect/>
+          </a:stretch>
+        </p:blipFill>
+        <p:spPr>
+          <a:xfrm>
+            <a:off x="6667500" y="2202180"/>
+            <a:ext cx="4838700" cy="2453640"/>
+          </a:xfrm>
+        </p:spPr>
+      </p:pic>
     </p:spTree>
     <p:extLst>
       <p:ext uri="{BB962C8B-B14F-4D97-AF65-F5344CB8AC3E}">
-        <p14:creationId xmlns:p14="http://schemas.microsoft.com/office/powerpoint/2010/main" val="1518016682"/>
+        <p14:creationId xmlns:p14="http://schemas.microsoft.com/office/powerpoint/2010/main" val="2364488404"/>
       </p:ext>
     </p:extLst>
   </p:cSld>
@@ -6315,7 +6532,7 @@
           <p:cNvPr id="2" name="Заголовок 1">
             <a:extLst>
               <a:ext uri="{FF2B5EF4-FFF2-40B4-BE49-F238E27FC236}">
-                <a16:creationId xmlns:a16="http://schemas.microsoft.com/office/drawing/2014/main" id="{E7CD9FE2-7C38-4F0E-B18B-DF7C18F3CBE0}"/>
+                <a16:creationId xmlns:a16="http://schemas.microsoft.com/office/drawing/2014/main" id="{57976F14-D2BA-48FA-8DFB-DA5AFE724777}"/>
               </a:ext>
             </a:extLst>
           </p:cNvPr>
@@ -6331,73 +6548,135 @@
           <a:bodyPr/>
           <a:lstStyle/>
           <a:p>
-            <a:endParaRPr lang="ru-RU" dirty="0"/>
-          </a:p>
-        </p:txBody>
-      </p:sp>
-      <p:pic>
-        <p:nvPicPr>
-          <p:cNvPr id="7" name="Рисунок 6">
+            <a:r>
+              <a:rPr lang="ru-RU" dirty="0"/>
+              <a:t>Обработка данных</a:t>
+            </a:r>
+          </a:p>
+        </p:txBody>
+      </p:sp>
+      <p:sp>
+        <p:nvSpPr>
+          <p:cNvPr id="3" name="Объект 2">
             <a:extLst>
               <a:ext uri="{FF2B5EF4-FFF2-40B4-BE49-F238E27FC236}">
-                <a16:creationId xmlns:a16="http://schemas.microsoft.com/office/drawing/2014/main" id="{B782A214-BCAD-4F69-A915-178032C33B9B}"/>
+                <a16:creationId xmlns:a16="http://schemas.microsoft.com/office/drawing/2014/main" id="{805D7490-47EC-4E27-8E8B-CC18CC7424F4}"/>
               </a:ext>
             </a:extLst>
           </p:cNvPr>
-          <p:cNvPicPr>
-            <a:picLocks noChangeAspect="1"/>
-          </p:cNvPicPr>
-          <p:nvPr/>
-        </p:nvPicPr>
-        <p:blipFill>
-          <a:blip r:embed="rId2"/>
-          <a:stretch>
-            <a:fillRect/>
-          </a:stretch>
-        </p:blipFill>
-        <p:spPr>
-          <a:xfrm>
-            <a:off x="226802" y="2057401"/>
-            <a:ext cx="5869198" cy="4237793"/>
-          </a:xfrm>
-          <a:prstGeom prst="rect">
-            <a:avLst/>
-          </a:prstGeom>
-        </p:spPr>
-      </p:pic>
-      <p:pic>
-        <p:nvPicPr>
-          <p:cNvPr id="11" name="Объект 10">
-            <a:extLst>
-              <a:ext uri="{FF2B5EF4-FFF2-40B4-BE49-F238E27FC236}">
-                <a16:creationId xmlns:a16="http://schemas.microsoft.com/office/drawing/2014/main" id="{00F1BC13-C2F4-4FEF-8F03-F1B599566EE7}"/>
-              </a:ext>
-            </a:extLst>
-          </p:cNvPr>
-          <p:cNvPicPr>
-            <a:picLocks noGrp="1" noChangeAspect="1"/>
-          </p:cNvPicPr>
+          <p:cNvSpPr>
+            <a:spLocks noGrp="1"/>
+          </p:cNvSpPr>
           <p:nvPr>
             <p:ph idx="1"/>
           </p:nvPr>
-        </p:nvPicPr>
-        <p:blipFill>
-          <a:blip r:embed="rId3"/>
-          <a:stretch>
-            <a:fillRect/>
-          </a:stretch>
-        </p:blipFill>
-        <p:spPr>
-          <a:xfrm>
-            <a:off x="6667500" y="2202180"/>
-            <a:ext cx="4838700" cy="2453640"/>
-          </a:xfrm>
-        </p:spPr>
-      </p:pic>
+        </p:nvSpPr>
+        <p:spPr/>
+        <p:txBody>
+          <a:bodyPr/>
+          <a:lstStyle/>
+          <a:p>
+            <a:r>
+              <a:rPr lang="ru-RU" dirty="0"/>
+              <a:t>Заполнение пропусков:</a:t>
+            </a:r>
+          </a:p>
+          <a:p>
+            <a:pPr lvl="1"/>
+            <a:r>
+              <a:rPr lang="ru-RU" dirty="0"/>
+              <a:t>Анализ пропусков</a:t>
+            </a:r>
+          </a:p>
+          <a:p>
+            <a:pPr lvl="1"/>
+            <a:r>
+              <a:rPr lang="ru-RU" dirty="0"/>
+              <a:t>Заполнение пропусков</a:t>
+            </a:r>
+          </a:p>
+          <a:p>
+            <a:pPr lvl="1"/>
+            <a:r>
+              <a:rPr lang="ru-RU" dirty="0"/>
+              <a:t>Удаление незаполненных данных</a:t>
+            </a:r>
+          </a:p>
+          <a:p>
+            <a:r>
+              <a:rPr lang="ru-RU" dirty="0"/>
+              <a:t>Предобработка:</a:t>
+            </a:r>
+          </a:p>
+          <a:p>
+            <a:pPr lvl="1"/>
+            <a:r>
+              <a:rPr lang="ru-RU" dirty="0"/>
+              <a:t>Удаление неинформативных данных (</a:t>
+            </a:r>
+            <a:r>
+              <a:rPr lang="en-US" dirty="0"/>
+              <a:t>VIN, </a:t>
+            </a:r>
+            <a:r>
+              <a:rPr lang="ru-RU" dirty="0"/>
+              <a:t>кол-во дверей</a:t>
+            </a:r>
+            <a:r>
+              <a:rPr lang="en-US" dirty="0"/>
+              <a:t>, </a:t>
+            </a:r>
+            <a:r>
+              <a:rPr lang="ru-RU" dirty="0"/>
+              <a:t>руль, объем двигателя</a:t>
+            </a:r>
+            <a:r>
+              <a:rPr lang="en-US" dirty="0"/>
+              <a:t>, </a:t>
+            </a:r>
+            <a:r>
+              <a:rPr lang="ru-RU" dirty="0"/>
+              <a:t>цвет)</a:t>
+            </a:r>
+          </a:p>
+          <a:p>
+            <a:pPr lvl="1"/>
+            <a:r>
+              <a:rPr lang="ru-RU" dirty="0"/>
+              <a:t>Удаление выбросов и мусора</a:t>
+            </a:r>
+          </a:p>
+          <a:p>
+            <a:pPr lvl="1"/>
+            <a:r>
+              <a:rPr lang="ru-RU" dirty="0"/>
+              <a:t>Марка и модель авто – </a:t>
+            </a:r>
+            <a:r>
+              <a:rPr lang="en-US" dirty="0"/>
+              <a:t>One Hot Encoding</a:t>
+            </a:r>
+          </a:p>
+          <a:p>
+            <a:pPr lvl="1"/>
+            <a:r>
+              <a:rPr lang="ru-RU" dirty="0"/>
+              <a:t>Нормализация всех данных, кроме цены</a:t>
+            </a:r>
+          </a:p>
+          <a:p>
+            <a:pPr lvl="1"/>
+            <a:r>
+              <a:rPr lang="ru-RU" dirty="0"/>
+              <a:t>Создание новых фич</a:t>
+            </a:r>
+          </a:p>
+        </p:txBody>
+      </p:sp>
     </p:spTree>
     <p:extLst>
       <p:ext uri="{BB962C8B-B14F-4D97-AF65-F5344CB8AC3E}">
-        <p14:creationId xmlns:p14="http://schemas.microsoft.com/office/powerpoint/2010/main" val="2364488404"/>
+        <p14:creationId xmlns:p14="http://schemas.microsoft.com/office/powerpoint/2010/main" val="2668760628"/>
       </p:ext>
     </p:extLst>
   </p:cSld>
@@ -6429,7 +6708,7 @@
           <p:cNvPr id="2" name="Заголовок 1">
             <a:extLst>
               <a:ext uri="{FF2B5EF4-FFF2-40B4-BE49-F238E27FC236}">
-                <a16:creationId xmlns:a16="http://schemas.microsoft.com/office/drawing/2014/main" id="{57976F14-D2BA-48FA-8DFB-DA5AFE724777}"/>
+                <a16:creationId xmlns:a16="http://schemas.microsoft.com/office/drawing/2014/main" id="{7EDB556E-143E-4F1D-9E12-454E0C909A27}"/>
               </a:ext>
             </a:extLst>
           </p:cNvPr>
@@ -6447,133 +6726,44 @@
           <a:p>
             <a:r>
               <a:rPr lang="ru-RU" dirty="0"/>
-              <a:t>Обработка данных</a:t>
-            </a:r>
-          </a:p>
-        </p:txBody>
-      </p:sp>
-      <p:sp>
-        <p:nvSpPr>
-          <p:cNvPr id="3" name="Объект 2">
+              <a:t>Кол-во Авто по годам</a:t>
+            </a:r>
+          </a:p>
+        </p:txBody>
+      </p:sp>
+      <p:pic>
+        <p:nvPicPr>
+          <p:cNvPr id="9" name="Объект 8">
             <a:extLst>
               <a:ext uri="{FF2B5EF4-FFF2-40B4-BE49-F238E27FC236}">
-                <a16:creationId xmlns:a16="http://schemas.microsoft.com/office/drawing/2014/main" id="{805D7490-47EC-4E27-8E8B-CC18CC7424F4}"/>
+                <a16:creationId xmlns:a16="http://schemas.microsoft.com/office/drawing/2014/main" id="{68A523C0-C2C1-4B86-820A-CB2C2E2D1B0D}"/>
               </a:ext>
             </a:extLst>
           </p:cNvPr>
-          <p:cNvSpPr>
-            <a:spLocks noGrp="1"/>
-          </p:cNvSpPr>
+          <p:cNvPicPr>
+            <a:picLocks noGrp="1" noChangeAspect="1"/>
+          </p:cNvPicPr>
           <p:nvPr>
             <p:ph idx="1"/>
           </p:nvPr>
-        </p:nvSpPr>
-        <p:spPr/>
-        <p:txBody>
-          <a:bodyPr/>
-          <a:lstStyle/>
-          <a:p>
-            <a:r>
-              <a:rPr lang="ru-RU" dirty="0"/>
-              <a:t>Заполнение пропусков:</a:t>
-            </a:r>
-          </a:p>
-          <a:p>
-            <a:pPr lvl="1"/>
-            <a:r>
-              <a:rPr lang="ru-RU" dirty="0"/>
-              <a:t>Анализ пропусков</a:t>
-            </a:r>
-          </a:p>
-          <a:p>
-            <a:pPr lvl="1"/>
-            <a:r>
-              <a:rPr lang="ru-RU" dirty="0"/>
-              <a:t>Заполнение пропусков</a:t>
-            </a:r>
-          </a:p>
-          <a:p>
-            <a:pPr lvl="1"/>
-            <a:r>
-              <a:rPr lang="ru-RU" dirty="0"/>
-              <a:t>Удаление незаполненных данных</a:t>
-            </a:r>
-          </a:p>
-          <a:p>
-            <a:r>
-              <a:rPr lang="ru-RU" dirty="0"/>
-              <a:t>Предобработка:</a:t>
-            </a:r>
-          </a:p>
-          <a:p>
-            <a:pPr lvl="1"/>
-            <a:r>
-              <a:rPr lang="ru-RU" dirty="0"/>
-              <a:t>Удаление неинформативных данных (</a:t>
-            </a:r>
-            <a:r>
-              <a:rPr lang="en-US" dirty="0"/>
-              <a:t>VIN, </a:t>
-            </a:r>
-            <a:r>
-              <a:rPr lang="ru-RU" dirty="0"/>
-              <a:t>кол-во дверей</a:t>
-            </a:r>
-            <a:r>
-              <a:rPr lang="en-US" dirty="0"/>
-              <a:t>, </a:t>
-            </a:r>
-            <a:r>
-              <a:rPr lang="ru-RU" dirty="0"/>
-              <a:t>руль, объем двигателя</a:t>
-            </a:r>
-            <a:r>
-              <a:rPr lang="en-US" dirty="0"/>
-              <a:t>, </a:t>
-            </a:r>
-            <a:r>
-              <a:rPr lang="ru-RU" dirty="0"/>
-              <a:t>цвет)</a:t>
-            </a:r>
-          </a:p>
-          <a:p>
-            <a:pPr lvl="1"/>
-            <a:r>
-              <a:rPr lang="ru-RU" dirty="0"/>
-              <a:t>Удаление выбросов и мусора</a:t>
-            </a:r>
-          </a:p>
-          <a:p>
-            <a:pPr lvl="1"/>
-            <a:r>
-              <a:rPr lang="ru-RU" dirty="0"/>
-              <a:t>Марка и модель авто – </a:t>
-            </a:r>
-            <a:r>
-              <a:rPr lang="en-US" dirty="0"/>
-              <a:t>One Hot Encoding</a:t>
-            </a:r>
-          </a:p>
-          <a:p>
-            <a:pPr lvl="1"/>
-            <a:r>
-              <a:rPr lang="ru-RU" dirty="0"/>
-              <a:t>Нормализация всех данных, кроме цены</a:t>
-            </a:r>
-          </a:p>
-          <a:p>
-            <a:pPr lvl="1"/>
-            <a:r>
-              <a:rPr lang="ru-RU" dirty="0"/>
-              <a:t>Создание новых фич</a:t>
-            </a:r>
-          </a:p>
-        </p:txBody>
-      </p:sp>
+        </p:nvPicPr>
+        <p:blipFill>
+          <a:blip r:embed="rId2"/>
+          <a:stretch>
+            <a:fillRect/>
+          </a:stretch>
+        </p:blipFill>
+        <p:spPr>
+          <a:xfrm>
+            <a:off x="1169193" y="2057401"/>
+            <a:ext cx="9853613" cy="3716382"/>
+          </a:xfrm>
+        </p:spPr>
+      </p:pic>
     </p:spTree>
     <p:extLst>
       <p:ext uri="{BB962C8B-B14F-4D97-AF65-F5344CB8AC3E}">
-        <p14:creationId xmlns:p14="http://schemas.microsoft.com/office/powerpoint/2010/main" val="2668760628"/>
+        <p14:creationId xmlns:p14="http://schemas.microsoft.com/office/powerpoint/2010/main" val="2355897023"/>
       </p:ext>
     </p:extLst>
   </p:cSld>
@@ -6605,93 +6795,6 @@
           <p:cNvPr id="2" name="Заголовок 1">
             <a:extLst>
               <a:ext uri="{FF2B5EF4-FFF2-40B4-BE49-F238E27FC236}">
-                <a16:creationId xmlns:a16="http://schemas.microsoft.com/office/drawing/2014/main" id="{7EDB556E-143E-4F1D-9E12-454E0C909A27}"/>
-              </a:ext>
-            </a:extLst>
-          </p:cNvPr>
-          <p:cNvSpPr>
-            <a:spLocks noGrp="1"/>
-          </p:cNvSpPr>
-          <p:nvPr>
-            <p:ph type="title"/>
-          </p:nvPr>
-        </p:nvSpPr>
-        <p:spPr/>
-        <p:txBody>
-          <a:bodyPr/>
-          <a:lstStyle/>
-          <a:p>
-            <a:r>
-              <a:rPr lang="ru-RU" dirty="0"/>
-              <a:t>Кол-во Авто по годам</a:t>
-            </a:r>
-          </a:p>
-        </p:txBody>
-      </p:sp>
-      <p:pic>
-        <p:nvPicPr>
-          <p:cNvPr id="9" name="Объект 8">
-            <a:extLst>
-              <a:ext uri="{FF2B5EF4-FFF2-40B4-BE49-F238E27FC236}">
-                <a16:creationId xmlns:a16="http://schemas.microsoft.com/office/drawing/2014/main" id="{68A523C0-C2C1-4B86-820A-CB2C2E2D1B0D}"/>
-              </a:ext>
-            </a:extLst>
-          </p:cNvPr>
-          <p:cNvPicPr>
-            <a:picLocks noGrp="1" noChangeAspect="1"/>
-          </p:cNvPicPr>
-          <p:nvPr>
-            <p:ph idx="1"/>
-          </p:nvPr>
-        </p:nvPicPr>
-        <p:blipFill>
-          <a:blip r:embed="rId2"/>
-          <a:stretch>
-            <a:fillRect/>
-          </a:stretch>
-        </p:blipFill>
-        <p:spPr>
-          <a:xfrm>
-            <a:off x="1169193" y="2057401"/>
-            <a:ext cx="9853613" cy="3716382"/>
-          </a:xfrm>
-        </p:spPr>
-      </p:pic>
-    </p:spTree>
-    <p:extLst>
-      <p:ext uri="{BB962C8B-B14F-4D97-AF65-F5344CB8AC3E}">
-        <p14:creationId xmlns:p14="http://schemas.microsoft.com/office/powerpoint/2010/main" val="2355897023"/>
-      </p:ext>
-    </p:extLst>
-  </p:cSld>
-  <p:clrMapOvr>
-    <a:masterClrMapping/>
-  </p:clrMapOvr>
-</p:sld>
-</file>
-
-<file path=ppt/slides/slide8.xml><?xml version="1.0" encoding="utf-8"?>
-<p:sld xmlns:a="http://schemas.openxmlformats.org/drawingml/2006/main" xmlns:r="http://schemas.openxmlformats.org/officeDocument/2006/relationships" xmlns:p="http://schemas.openxmlformats.org/presentationml/2006/main">
-  <p:cSld>
-    <p:spTree>
-      <p:nvGrpSpPr>
-        <p:cNvPr id="1" name=""/>
-        <p:cNvGrpSpPr/>
-        <p:nvPr/>
-      </p:nvGrpSpPr>
-      <p:grpSpPr>
-        <a:xfrm>
-          <a:off x="0" y="0"/>
-          <a:ext cx="0" cy="0"/>
-          <a:chOff x="0" y="0"/>
-          <a:chExt cx="0" cy="0"/>
-        </a:xfrm>
-      </p:grpSpPr>
-      <p:sp>
-        <p:nvSpPr>
-          <p:cNvPr id="2" name="Заголовок 1">
-            <a:extLst>
-              <a:ext uri="{FF2B5EF4-FFF2-40B4-BE49-F238E27FC236}">
                 <a16:creationId xmlns:a16="http://schemas.microsoft.com/office/drawing/2014/main" id="{DD758979-33E2-4667-A82B-420E3D2EA0AA}"/>
               </a:ext>
             </a:extLst>
@@ -6790,7 +6893,7 @@
 </p:sld>
 </file>
 
-<file path=ppt/slides/slide9.xml><?xml version="1.0" encoding="utf-8"?>
+<file path=ppt/slides/slide8.xml><?xml version="1.0" encoding="utf-8"?>
 <p:sld xmlns:a="http://schemas.openxmlformats.org/drawingml/2006/main" xmlns:r="http://schemas.openxmlformats.org/officeDocument/2006/relationships" xmlns:p="http://schemas.openxmlformats.org/presentationml/2006/main">
   <p:cSld>
     <p:spTree>
@@ -7237,6 +7340,212 @@
 </p:sld>
 </file>
 
+<file path=ppt/slides/slide9.xml><?xml version="1.0" encoding="utf-8"?>
+<p:sld xmlns:a="http://schemas.openxmlformats.org/drawingml/2006/main" xmlns:r="http://schemas.openxmlformats.org/officeDocument/2006/relationships" xmlns:p="http://schemas.openxmlformats.org/presentationml/2006/main">
+  <p:cSld>
+    <p:spTree>
+      <p:nvGrpSpPr>
+        <p:cNvPr id="1" name=""/>
+        <p:cNvGrpSpPr/>
+        <p:nvPr/>
+      </p:nvGrpSpPr>
+      <p:grpSpPr>
+        <a:xfrm>
+          <a:off x="0" y="0"/>
+          <a:ext cx="0" cy="0"/>
+          <a:chOff x="0" y="0"/>
+          <a:chExt cx="0" cy="0"/>
+        </a:xfrm>
+      </p:grpSpPr>
+      <p:sp>
+        <p:nvSpPr>
+          <p:cNvPr id="2" name="Заголовок 1">
+            <a:extLst>
+              <a:ext uri="{FF2B5EF4-FFF2-40B4-BE49-F238E27FC236}">
+                <a16:creationId xmlns:a16="http://schemas.microsoft.com/office/drawing/2014/main" id="{D8ADFDED-CEBA-4100-8571-2D96D7884225}"/>
+              </a:ext>
+            </a:extLst>
+          </p:cNvPr>
+          <p:cNvSpPr>
+            <a:spLocks noGrp="1"/>
+          </p:cNvSpPr>
+          <p:nvPr>
+            <p:ph type="title"/>
+          </p:nvPr>
+        </p:nvSpPr>
+        <p:spPr/>
+        <p:txBody>
+          <a:bodyPr/>
+          <a:lstStyle/>
+          <a:p>
+            <a:r>
+              <a:rPr lang="en-US" dirty="0"/>
+              <a:t>RMSE </a:t>
+            </a:r>
+            <a:r>
+              <a:rPr lang="ru-RU" dirty="0"/>
+              <a:t>для </a:t>
+            </a:r>
+            <a:r>
+              <a:rPr lang="en-US" dirty="0"/>
+              <a:t>Lasso </a:t>
+            </a:r>
+            <a:r>
+              <a:rPr lang="ru-RU" dirty="0"/>
+              <a:t>и </a:t>
+            </a:r>
+            <a:r>
+              <a:rPr lang="en-US" dirty="0"/>
+              <a:t>Ridge</a:t>
+            </a:r>
+            <a:endParaRPr lang="ru-RU" dirty="0"/>
+          </a:p>
+        </p:txBody>
+      </p:sp>
+      <p:pic>
+        <p:nvPicPr>
+          <p:cNvPr id="5" name="Объект 4">
+            <a:extLst>
+              <a:ext uri="{FF2B5EF4-FFF2-40B4-BE49-F238E27FC236}">
+                <a16:creationId xmlns:a16="http://schemas.microsoft.com/office/drawing/2014/main" id="{46C35797-F025-4494-9C7B-C128A6C3DD62}"/>
+              </a:ext>
+            </a:extLst>
+          </p:cNvPr>
+          <p:cNvPicPr>
+            <a:picLocks noGrp="1" noChangeAspect="1"/>
+          </p:cNvPicPr>
+          <p:nvPr>
+            <p:ph idx="1"/>
+          </p:nvPr>
+        </p:nvPicPr>
+        <p:blipFill>
+          <a:blip r:embed="rId2"/>
+          <a:stretch>
+            <a:fillRect/>
+          </a:stretch>
+        </p:blipFill>
+        <p:spPr>
+          <a:xfrm>
+            <a:off x="345662" y="2904624"/>
+            <a:ext cx="5099875" cy="3189003"/>
+          </a:xfrm>
+        </p:spPr>
+      </p:pic>
+      <p:pic>
+        <p:nvPicPr>
+          <p:cNvPr id="7" name="Рисунок 6">
+            <a:extLst>
+              <a:ext uri="{FF2B5EF4-FFF2-40B4-BE49-F238E27FC236}">
+                <a16:creationId xmlns:a16="http://schemas.microsoft.com/office/drawing/2014/main" id="{0C29D829-432E-4256-BB67-EE2106728FA9}"/>
+              </a:ext>
+            </a:extLst>
+          </p:cNvPr>
+          <p:cNvPicPr>
+            <a:picLocks noChangeAspect="1"/>
+          </p:cNvPicPr>
+          <p:nvPr/>
+        </p:nvPicPr>
+        <p:blipFill>
+          <a:blip r:embed="rId3"/>
+          <a:stretch>
+            <a:fillRect/>
+          </a:stretch>
+        </p:blipFill>
+        <p:spPr>
+          <a:xfrm>
+            <a:off x="6096000" y="2904624"/>
+            <a:ext cx="5099875" cy="3189004"/>
+          </a:xfrm>
+          <a:prstGeom prst="rect">
+            <a:avLst/>
+          </a:prstGeom>
+        </p:spPr>
+      </p:pic>
+      <p:sp>
+        <p:nvSpPr>
+          <p:cNvPr id="8" name="TextBox 7">
+            <a:extLst>
+              <a:ext uri="{FF2B5EF4-FFF2-40B4-BE49-F238E27FC236}">
+                <a16:creationId xmlns:a16="http://schemas.microsoft.com/office/drawing/2014/main" id="{37A527CC-BD65-4616-982D-0F5341C11ABA}"/>
+              </a:ext>
+            </a:extLst>
+          </p:cNvPr>
+          <p:cNvSpPr txBox="1"/>
+          <p:nvPr/>
+        </p:nvSpPr>
+        <p:spPr>
+          <a:xfrm>
+            <a:off x="2440987" y="2568390"/>
+            <a:ext cx="909223" cy="430887"/>
+          </a:xfrm>
+          <a:prstGeom prst="rect">
+            <a:avLst/>
+          </a:prstGeom>
+          <a:noFill/>
+        </p:spPr>
+        <p:txBody>
+          <a:bodyPr wrap="none" rtlCol="0">
+            <a:spAutoFit/>
+          </a:bodyPr>
+          <a:lstStyle/>
+          <a:p>
+            <a:r>
+              <a:rPr lang="en-US" sz="2200" dirty="0"/>
+              <a:t>Lasso</a:t>
+            </a:r>
+            <a:endParaRPr lang="ru-RU" sz="2200" dirty="0"/>
+          </a:p>
+        </p:txBody>
+      </p:sp>
+      <p:sp>
+        <p:nvSpPr>
+          <p:cNvPr id="9" name="TextBox 8">
+            <a:extLst>
+              <a:ext uri="{FF2B5EF4-FFF2-40B4-BE49-F238E27FC236}">
+                <a16:creationId xmlns:a16="http://schemas.microsoft.com/office/drawing/2014/main" id="{88BE6E29-785B-4CAB-A81A-EADD23B5B0A9}"/>
+              </a:ext>
+            </a:extLst>
+          </p:cNvPr>
+          <p:cNvSpPr txBox="1"/>
+          <p:nvPr/>
+        </p:nvSpPr>
+        <p:spPr>
+          <a:xfrm>
+            <a:off x="8191325" y="2521948"/>
+            <a:ext cx="978153" cy="430887"/>
+          </a:xfrm>
+          <a:prstGeom prst="rect">
+            <a:avLst/>
+          </a:prstGeom>
+          <a:noFill/>
+        </p:spPr>
+        <p:txBody>
+          <a:bodyPr wrap="none" rtlCol="0">
+            <a:spAutoFit/>
+          </a:bodyPr>
+          <a:lstStyle/>
+          <a:p>
+            <a:r>
+              <a:rPr lang="en-US" sz="2200" dirty="0"/>
+              <a:t>Ridge</a:t>
+            </a:r>
+            <a:endParaRPr lang="ru-RU" sz="2200" dirty="0"/>
+          </a:p>
+        </p:txBody>
+      </p:sp>
+    </p:spTree>
+    <p:extLst>
+      <p:ext uri="{BB962C8B-B14F-4D97-AF65-F5344CB8AC3E}">
+        <p14:creationId xmlns:p14="http://schemas.microsoft.com/office/powerpoint/2010/main" val="4057669329"/>
+      </p:ext>
+    </p:extLst>
+  </p:cSld>
+  <p:clrMapOvr>
+    <a:masterClrMapping/>
+  </p:clrMapOvr>
+</p:sld>
+</file>
+
 <file path=ppt/theme/theme1.xml><?xml version="1.0" encoding="utf-8"?>
 <a:theme xmlns:a="http://schemas.openxmlformats.org/drawingml/2006/main" name="След самолета">
   <a:themeElements>

--- a/Предсказание цены автомобиля.pptx
+++ b/Предсказание цены автомобиля.pptx
@@ -6847,20 +6847,15 @@
           <a:p>
             <a:pPr lvl="1"/>
             <a:r>
-              <a:rPr lang="ru-RU" dirty="0"/>
-              <a:t>Логистическая регрессия: </a:t>
-            </a:r>
-            <a:r>
               <a:rPr lang="en-US" dirty="0"/>
-              <a:t>lasso </a:t>
-            </a:r>
-            <a:r>
-              <a:rPr lang="ru-RU" dirty="0"/>
-              <a:t>и </a:t>
-            </a:r>
+              <a:t>Lasso</a:t>
+            </a:r>
+          </a:p>
+          <a:p>
+            <a:pPr lvl="1"/>
             <a:r>
               <a:rPr lang="en-US" dirty="0"/>
-              <a:t>ridge</a:t>
+              <a:t>Ridge</a:t>
             </a:r>
           </a:p>
           <a:p>
@@ -6938,8 +6933,8 @@
           </a:p>
         </p:txBody>
       </p:sp>
-      <mc:AlternateContent xmlns:mc="http://schemas.openxmlformats.org/markup-compatibility/2006">
-        <mc:Choice xmlns:a14="http://schemas.microsoft.com/office/drawing/2010/main" Requires="a14">
+      <mc:AlternateContent xmlns:mc="http://schemas.openxmlformats.org/markup-compatibility/2006" xmlns:a14="http://schemas.microsoft.com/office/drawing/2010/main">
+        <mc:Choice Requires="a14">
           <p:sp>
             <p:nvSpPr>
               <p:cNvPr id="3" name="Объект 2">
@@ -7234,13 +7229,7 @@
                       <a:rPr lang="en-US" i="1">
                         <a:latin typeface="Cambria Math" panose="02040503050406030204" pitchFamily="18" charset="0"/>
                       </a:rPr>
-                      <m:t>=0,</m:t>
-                    </m:r>
-                    <m:r>
-                      <a:rPr lang="en-US" i="1">
-                        <a:latin typeface="Cambria Math" panose="02040503050406030204" pitchFamily="18" charset="0"/>
-                      </a:rPr>
-                      <m:t>9</m:t>
+                      <m:t>=0,9</m:t>
                     </m:r>
                     <m:r>
                       <a:rPr lang="en-US" b="0" i="1" smtClean="0">
@@ -7287,7 +7276,7 @@
             </p:txBody>
           </p:sp>
         </mc:Choice>
-        <mc:Fallback>
+        <mc:Fallback xmlns="">
           <p:sp>
             <p:nvSpPr>
               <p:cNvPr id="3" name="Объект 2">

--- a/Предсказание цены автомобиля.pptx
+++ b/Предсказание цены автомобиля.pptx
@@ -10,12 +10,11 @@
     <p:sldId id="268" r:id="rId4"/>
     <p:sldId id="267" r:id="rId5"/>
     <p:sldId id="260" r:id="rId6"/>
-    <p:sldId id="266" r:id="rId7"/>
-    <p:sldId id="262" r:id="rId8"/>
-    <p:sldId id="259" r:id="rId9"/>
-    <p:sldId id="269" r:id="rId10"/>
-    <p:sldId id="270" r:id="rId11"/>
-    <p:sldId id="264" r:id="rId12"/>
+    <p:sldId id="262" r:id="rId7"/>
+    <p:sldId id="259" r:id="rId8"/>
+    <p:sldId id="269" r:id="rId9"/>
+    <p:sldId id="270" r:id="rId10"/>
+    <p:sldId id="264" r:id="rId11"/>
   </p:sldIdLst>
   <p:sldSz cx="12192000" cy="6858000"/>
   <p:notesSz cx="6858000" cy="9144000"/>
@@ -132,7 +131,6 @@
             <p14:sldId id="268"/>
             <p14:sldId id="267"/>
             <p14:sldId id="260"/>
-            <p14:sldId id="266"/>
             <p14:sldId id="262"/>
           </p14:sldIdLst>
         </p14:section>
@@ -5890,218 +5888,6 @@
           <p:cNvPr id="2" name="Заголовок 1">
             <a:extLst>
               <a:ext uri="{FF2B5EF4-FFF2-40B4-BE49-F238E27FC236}">
-                <a16:creationId xmlns:a16="http://schemas.microsoft.com/office/drawing/2014/main" id="{2EB43D84-12F4-4DE5-96E0-92D69A12FCEF}"/>
-              </a:ext>
-            </a:extLst>
-          </p:cNvPr>
-          <p:cNvSpPr>
-            <a:spLocks noGrp="1"/>
-          </p:cNvSpPr>
-          <p:nvPr>
-            <p:ph type="title"/>
-          </p:nvPr>
-        </p:nvSpPr>
-        <p:spPr>
-          <a:xfrm>
-            <a:off x="2895600" y="764373"/>
-            <a:ext cx="8610600" cy="1293028"/>
-          </a:xfrm>
-        </p:spPr>
-        <p:txBody>
-          <a:bodyPr/>
-          <a:lstStyle/>
-          <a:p>
-            <a:r>
-              <a:rPr lang="en-US" dirty="0"/>
-              <a:t>RMSE </a:t>
-            </a:r>
-            <a:r>
-              <a:rPr lang="ru-RU" dirty="0"/>
-              <a:t>для </a:t>
-            </a:r>
-            <a:r>
-              <a:rPr lang="en-US" dirty="0"/>
-              <a:t>Random forest </a:t>
-            </a:r>
-            <a:r>
-              <a:rPr lang="ru-RU" dirty="0"/>
-              <a:t>и </a:t>
-            </a:r>
-            <a:r>
-              <a:rPr lang="en-US" dirty="0" err="1"/>
-              <a:t>XGBoost</a:t>
-            </a:r>
-            <a:endParaRPr lang="ru-RU" dirty="0"/>
-          </a:p>
-        </p:txBody>
-      </p:sp>
-      <p:pic>
-        <p:nvPicPr>
-          <p:cNvPr id="9" name="Рисунок 8">
-            <a:extLst>
-              <a:ext uri="{FF2B5EF4-FFF2-40B4-BE49-F238E27FC236}">
-                <a16:creationId xmlns:a16="http://schemas.microsoft.com/office/drawing/2014/main" id="{23DDF6A8-80DA-4035-A3CF-5E9C910112D7}"/>
-              </a:ext>
-            </a:extLst>
-          </p:cNvPr>
-          <p:cNvPicPr>
-            <a:picLocks noChangeAspect="1"/>
-          </p:cNvPicPr>
-          <p:nvPr/>
-        </p:nvPicPr>
-        <p:blipFill>
-          <a:blip r:embed="rId2"/>
-          <a:stretch>
-            <a:fillRect/>
-          </a:stretch>
-        </p:blipFill>
-        <p:spPr>
-          <a:xfrm>
-            <a:off x="6096000" y="2905143"/>
-            <a:ext cx="5023128" cy="3188484"/>
-          </a:xfrm>
-          <a:prstGeom prst="rect">
-            <a:avLst/>
-          </a:prstGeom>
-        </p:spPr>
-      </p:pic>
-      <p:pic>
-        <p:nvPicPr>
-          <p:cNvPr id="11" name="Рисунок 10">
-            <a:extLst>
-              <a:ext uri="{FF2B5EF4-FFF2-40B4-BE49-F238E27FC236}">
-                <a16:creationId xmlns:a16="http://schemas.microsoft.com/office/drawing/2014/main" id="{01810DC6-CE99-456C-9F1A-91C1307EC202}"/>
-              </a:ext>
-            </a:extLst>
-          </p:cNvPr>
-          <p:cNvPicPr>
-            <a:picLocks noChangeAspect="1"/>
-          </p:cNvPicPr>
-          <p:nvPr/>
-        </p:nvPicPr>
-        <p:blipFill>
-          <a:blip r:embed="rId3"/>
-          <a:stretch>
-            <a:fillRect/>
-          </a:stretch>
-        </p:blipFill>
-        <p:spPr>
-          <a:xfrm>
-            <a:off x="384036" y="2905143"/>
-            <a:ext cx="5023128" cy="3188484"/>
-          </a:xfrm>
-          <a:prstGeom prst="rect">
-            <a:avLst/>
-          </a:prstGeom>
-        </p:spPr>
-      </p:pic>
-      <p:sp>
-        <p:nvSpPr>
-          <p:cNvPr id="14" name="TextBox 13">
-            <a:extLst>
-              <a:ext uri="{FF2B5EF4-FFF2-40B4-BE49-F238E27FC236}">
-                <a16:creationId xmlns:a16="http://schemas.microsoft.com/office/drawing/2014/main" id="{DF7714C8-2FE6-45F1-BC3E-3AB754D78A77}"/>
-              </a:ext>
-            </a:extLst>
-          </p:cNvPr>
-          <p:cNvSpPr txBox="1"/>
-          <p:nvPr/>
-        </p:nvSpPr>
-        <p:spPr>
-          <a:xfrm>
-            <a:off x="1802191" y="2474256"/>
-            <a:ext cx="2186817" cy="430887"/>
-          </a:xfrm>
-          <a:prstGeom prst="rect">
-            <a:avLst/>
-          </a:prstGeom>
-          <a:noFill/>
-        </p:spPr>
-        <p:txBody>
-          <a:bodyPr wrap="none" rtlCol="0">
-            <a:spAutoFit/>
-          </a:bodyPr>
-          <a:lstStyle/>
-          <a:p>
-            <a:r>
-              <a:rPr lang="en-US" sz="2200" dirty="0"/>
-              <a:t>Random forest</a:t>
-            </a:r>
-            <a:endParaRPr lang="ru-RU" sz="2200" dirty="0"/>
-          </a:p>
-        </p:txBody>
-      </p:sp>
-      <p:sp>
-        <p:nvSpPr>
-          <p:cNvPr id="15" name="TextBox 14">
-            <a:extLst>
-              <a:ext uri="{FF2B5EF4-FFF2-40B4-BE49-F238E27FC236}">
-                <a16:creationId xmlns:a16="http://schemas.microsoft.com/office/drawing/2014/main" id="{89AE6228-A080-481F-ABE4-5B1E17CEBCAF}"/>
-              </a:ext>
-            </a:extLst>
-          </p:cNvPr>
-          <p:cNvSpPr txBox="1"/>
-          <p:nvPr/>
-        </p:nvSpPr>
-        <p:spPr>
-          <a:xfrm>
-            <a:off x="7938951" y="2474255"/>
-            <a:ext cx="1337226" cy="430887"/>
-          </a:xfrm>
-          <a:prstGeom prst="rect">
-            <a:avLst/>
-          </a:prstGeom>
-          <a:noFill/>
-        </p:spPr>
-        <p:txBody>
-          <a:bodyPr wrap="none" rtlCol="0">
-            <a:spAutoFit/>
-          </a:bodyPr>
-          <a:lstStyle/>
-          <a:p>
-            <a:r>
-              <a:rPr lang="en-US" sz="2200" dirty="0" err="1"/>
-              <a:t>XGBoost</a:t>
-            </a:r>
-            <a:endParaRPr lang="ru-RU" sz="2200" dirty="0"/>
-          </a:p>
-        </p:txBody>
-      </p:sp>
-    </p:spTree>
-    <p:extLst>
-      <p:ext uri="{BB962C8B-B14F-4D97-AF65-F5344CB8AC3E}">
-        <p14:creationId xmlns:p14="http://schemas.microsoft.com/office/powerpoint/2010/main" val="4205962595"/>
-      </p:ext>
-    </p:extLst>
-  </p:cSld>
-  <p:clrMapOvr>
-    <a:masterClrMapping/>
-  </p:clrMapOvr>
-</p:sld>
-</file>
-
-<file path=ppt/slides/slide11.xml><?xml version="1.0" encoding="utf-8"?>
-<p:sld xmlns:a="http://schemas.openxmlformats.org/drawingml/2006/main" xmlns:r="http://schemas.openxmlformats.org/officeDocument/2006/relationships" xmlns:p="http://schemas.openxmlformats.org/presentationml/2006/main">
-  <p:cSld>
-    <p:spTree>
-      <p:nvGrpSpPr>
-        <p:cNvPr id="1" name=""/>
-        <p:cNvGrpSpPr/>
-        <p:nvPr/>
-      </p:nvGrpSpPr>
-      <p:grpSpPr>
-        <a:xfrm>
-          <a:off x="0" y="0"/>
-          <a:ext cx="0" cy="0"/>
-          <a:chOff x="0" y="0"/>
-          <a:chExt cx="0" cy="0"/>
-        </a:xfrm>
-      </p:grpSpPr>
-      <p:sp>
-        <p:nvSpPr>
-          <p:cNvPr id="2" name="Заголовок 1">
-            <a:extLst>
-              <a:ext uri="{FF2B5EF4-FFF2-40B4-BE49-F238E27FC236}">
                 <a16:creationId xmlns:a16="http://schemas.microsoft.com/office/drawing/2014/main" id="{DC98A237-DF23-4216-BE0F-29E489A42753}"/>
               </a:ext>
             </a:extLst>
@@ -6708,93 +6494,6 @@
           <p:cNvPr id="2" name="Заголовок 1">
             <a:extLst>
               <a:ext uri="{FF2B5EF4-FFF2-40B4-BE49-F238E27FC236}">
-                <a16:creationId xmlns:a16="http://schemas.microsoft.com/office/drawing/2014/main" id="{7EDB556E-143E-4F1D-9E12-454E0C909A27}"/>
-              </a:ext>
-            </a:extLst>
-          </p:cNvPr>
-          <p:cNvSpPr>
-            <a:spLocks noGrp="1"/>
-          </p:cNvSpPr>
-          <p:nvPr>
-            <p:ph type="title"/>
-          </p:nvPr>
-        </p:nvSpPr>
-        <p:spPr/>
-        <p:txBody>
-          <a:bodyPr/>
-          <a:lstStyle/>
-          <a:p>
-            <a:r>
-              <a:rPr lang="ru-RU" dirty="0"/>
-              <a:t>Кол-во Авто по годам</a:t>
-            </a:r>
-          </a:p>
-        </p:txBody>
-      </p:sp>
-      <p:pic>
-        <p:nvPicPr>
-          <p:cNvPr id="9" name="Объект 8">
-            <a:extLst>
-              <a:ext uri="{FF2B5EF4-FFF2-40B4-BE49-F238E27FC236}">
-                <a16:creationId xmlns:a16="http://schemas.microsoft.com/office/drawing/2014/main" id="{68A523C0-C2C1-4B86-820A-CB2C2E2D1B0D}"/>
-              </a:ext>
-            </a:extLst>
-          </p:cNvPr>
-          <p:cNvPicPr>
-            <a:picLocks noGrp="1" noChangeAspect="1"/>
-          </p:cNvPicPr>
-          <p:nvPr>
-            <p:ph idx="1"/>
-          </p:nvPr>
-        </p:nvPicPr>
-        <p:blipFill>
-          <a:blip r:embed="rId2"/>
-          <a:stretch>
-            <a:fillRect/>
-          </a:stretch>
-        </p:blipFill>
-        <p:spPr>
-          <a:xfrm>
-            <a:off x="1169193" y="2057401"/>
-            <a:ext cx="9853613" cy="3716382"/>
-          </a:xfrm>
-        </p:spPr>
-      </p:pic>
-    </p:spTree>
-    <p:extLst>
-      <p:ext uri="{BB962C8B-B14F-4D97-AF65-F5344CB8AC3E}">
-        <p14:creationId xmlns:p14="http://schemas.microsoft.com/office/powerpoint/2010/main" val="2355897023"/>
-      </p:ext>
-    </p:extLst>
-  </p:cSld>
-  <p:clrMapOvr>
-    <a:masterClrMapping/>
-  </p:clrMapOvr>
-</p:sld>
-</file>
-
-<file path=ppt/slides/slide7.xml><?xml version="1.0" encoding="utf-8"?>
-<p:sld xmlns:a="http://schemas.openxmlformats.org/drawingml/2006/main" xmlns:r="http://schemas.openxmlformats.org/officeDocument/2006/relationships" xmlns:p="http://schemas.openxmlformats.org/presentationml/2006/main">
-  <p:cSld>
-    <p:spTree>
-      <p:nvGrpSpPr>
-        <p:cNvPr id="1" name=""/>
-        <p:cNvGrpSpPr/>
-        <p:nvPr/>
-      </p:nvGrpSpPr>
-      <p:grpSpPr>
-        <a:xfrm>
-          <a:off x="0" y="0"/>
-          <a:ext cx="0" cy="0"/>
-          <a:chOff x="0" y="0"/>
-          <a:chExt cx="0" cy="0"/>
-        </a:xfrm>
-      </p:grpSpPr>
-      <p:sp>
-        <p:nvSpPr>
-          <p:cNvPr id="2" name="Заголовок 1">
-            <a:extLst>
-              <a:ext uri="{FF2B5EF4-FFF2-40B4-BE49-F238E27FC236}">
                 <a16:creationId xmlns:a16="http://schemas.microsoft.com/office/drawing/2014/main" id="{DD758979-33E2-4667-A82B-420E3D2EA0AA}"/>
               </a:ext>
             </a:extLst>
@@ -6888,7 +6587,7 @@
 </p:sld>
 </file>
 
-<file path=ppt/slides/slide8.xml><?xml version="1.0" encoding="utf-8"?>
+<file path=ppt/slides/slide7.xml><?xml version="1.0" encoding="utf-8"?>
 <p:sld xmlns:a="http://schemas.openxmlformats.org/drawingml/2006/main" xmlns:r="http://schemas.openxmlformats.org/officeDocument/2006/relationships" xmlns:p="http://schemas.openxmlformats.org/presentationml/2006/main">
   <p:cSld>
     <p:spTree>
@@ -7329,7 +7028,7 @@
 </p:sld>
 </file>
 
-<file path=ppt/slides/slide9.xml><?xml version="1.0" encoding="utf-8"?>
+<file path=ppt/slides/slide8.xml><?xml version="1.0" encoding="utf-8"?>
 <p:sld xmlns:a="http://schemas.openxmlformats.org/drawingml/2006/main" xmlns:r="http://schemas.openxmlformats.org/officeDocument/2006/relationships" xmlns:p="http://schemas.openxmlformats.org/presentationml/2006/main">
   <p:cSld>
     <p:spTree>
@@ -7526,6 +7225,218 @@
     <p:extLst>
       <p:ext uri="{BB962C8B-B14F-4D97-AF65-F5344CB8AC3E}">
         <p14:creationId xmlns:p14="http://schemas.microsoft.com/office/powerpoint/2010/main" val="4057669329"/>
+      </p:ext>
+    </p:extLst>
+  </p:cSld>
+  <p:clrMapOvr>
+    <a:masterClrMapping/>
+  </p:clrMapOvr>
+</p:sld>
+</file>
+
+<file path=ppt/slides/slide9.xml><?xml version="1.0" encoding="utf-8"?>
+<p:sld xmlns:a="http://schemas.openxmlformats.org/drawingml/2006/main" xmlns:r="http://schemas.openxmlformats.org/officeDocument/2006/relationships" xmlns:p="http://schemas.openxmlformats.org/presentationml/2006/main">
+  <p:cSld>
+    <p:spTree>
+      <p:nvGrpSpPr>
+        <p:cNvPr id="1" name=""/>
+        <p:cNvGrpSpPr/>
+        <p:nvPr/>
+      </p:nvGrpSpPr>
+      <p:grpSpPr>
+        <a:xfrm>
+          <a:off x="0" y="0"/>
+          <a:ext cx="0" cy="0"/>
+          <a:chOff x="0" y="0"/>
+          <a:chExt cx="0" cy="0"/>
+        </a:xfrm>
+      </p:grpSpPr>
+      <p:sp>
+        <p:nvSpPr>
+          <p:cNvPr id="2" name="Заголовок 1">
+            <a:extLst>
+              <a:ext uri="{FF2B5EF4-FFF2-40B4-BE49-F238E27FC236}">
+                <a16:creationId xmlns:a16="http://schemas.microsoft.com/office/drawing/2014/main" id="{2EB43D84-12F4-4DE5-96E0-92D69A12FCEF}"/>
+              </a:ext>
+            </a:extLst>
+          </p:cNvPr>
+          <p:cNvSpPr>
+            <a:spLocks noGrp="1"/>
+          </p:cNvSpPr>
+          <p:nvPr>
+            <p:ph type="title"/>
+          </p:nvPr>
+        </p:nvSpPr>
+        <p:spPr>
+          <a:xfrm>
+            <a:off x="2895600" y="764373"/>
+            <a:ext cx="8610600" cy="1293028"/>
+          </a:xfrm>
+        </p:spPr>
+        <p:txBody>
+          <a:bodyPr/>
+          <a:lstStyle/>
+          <a:p>
+            <a:r>
+              <a:rPr lang="en-US" dirty="0"/>
+              <a:t>RMSE </a:t>
+            </a:r>
+            <a:r>
+              <a:rPr lang="ru-RU" dirty="0"/>
+              <a:t>для </a:t>
+            </a:r>
+            <a:r>
+              <a:rPr lang="en-US" dirty="0"/>
+              <a:t>Random forest </a:t>
+            </a:r>
+            <a:r>
+              <a:rPr lang="ru-RU" dirty="0"/>
+              <a:t>и </a:t>
+            </a:r>
+            <a:r>
+              <a:rPr lang="en-US" dirty="0" err="1"/>
+              <a:t>XGBoost</a:t>
+            </a:r>
+            <a:endParaRPr lang="ru-RU" dirty="0"/>
+          </a:p>
+        </p:txBody>
+      </p:sp>
+      <p:pic>
+        <p:nvPicPr>
+          <p:cNvPr id="9" name="Рисунок 8">
+            <a:extLst>
+              <a:ext uri="{FF2B5EF4-FFF2-40B4-BE49-F238E27FC236}">
+                <a16:creationId xmlns:a16="http://schemas.microsoft.com/office/drawing/2014/main" id="{23DDF6A8-80DA-4035-A3CF-5E9C910112D7}"/>
+              </a:ext>
+            </a:extLst>
+          </p:cNvPr>
+          <p:cNvPicPr>
+            <a:picLocks noChangeAspect="1"/>
+          </p:cNvPicPr>
+          <p:nvPr/>
+        </p:nvPicPr>
+        <p:blipFill>
+          <a:blip r:embed="rId2"/>
+          <a:stretch>
+            <a:fillRect/>
+          </a:stretch>
+        </p:blipFill>
+        <p:spPr>
+          <a:xfrm>
+            <a:off x="6096000" y="2905143"/>
+            <a:ext cx="5023128" cy="3188484"/>
+          </a:xfrm>
+          <a:prstGeom prst="rect">
+            <a:avLst/>
+          </a:prstGeom>
+        </p:spPr>
+      </p:pic>
+      <p:pic>
+        <p:nvPicPr>
+          <p:cNvPr id="11" name="Рисунок 10">
+            <a:extLst>
+              <a:ext uri="{FF2B5EF4-FFF2-40B4-BE49-F238E27FC236}">
+                <a16:creationId xmlns:a16="http://schemas.microsoft.com/office/drawing/2014/main" id="{01810DC6-CE99-456C-9F1A-91C1307EC202}"/>
+              </a:ext>
+            </a:extLst>
+          </p:cNvPr>
+          <p:cNvPicPr>
+            <a:picLocks noChangeAspect="1"/>
+          </p:cNvPicPr>
+          <p:nvPr/>
+        </p:nvPicPr>
+        <p:blipFill>
+          <a:blip r:embed="rId3"/>
+          <a:stretch>
+            <a:fillRect/>
+          </a:stretch>
+        </p:blipFill>
+        <p:spPr>
+          <a:xfrm>
+            <a:off x="384036" y="2905143"/>
+            <a:ext cx="5023128" cy="3188484"/>
+          </a:xfrm>
+          <a:prstGeom prst="rect">
+            <a:avLst/>
+          </a:prstGeom>
+        </p:spPr>
+      </p:pic>
+      <p:sp>
+        <p:nvSpPr>
+          <p:cNvPr id="14" name="TextBox 13">
+            <a:extLst>
+              <a:ext uri="{FF2B5EF4-FFF2-40B4-BE49-F238E27FC236}">
+                <a16:creationId xmlns:a16="http://schemas.microsoft.com/office/drawing/2014/main" id="{DF7714C8-2FE6-45F1-BC3E-3AB754D78A77}"/>
+              </a:ext>
+            </a:extLst>
+          </p:cNvPr>
+          <p:cNvSpPr txBox="1"/>
+          <p:nvPr/>
+        </p:nvSpPr>
+        <p:spPr>
+          <a:xfrm>
+            <a:off x="1802191" y="2474256"/>
+            <a:ext cx="2186817" cy="430887"/>
+          </a:xfrm>
+          <a:prstGeom prst="rect">
+            <a:avLst/>
+          </a:prstGeom>
+          <a:noFill/>
+        </p:spPr>
+        <p:txBody>
+          <a:bodyPr wrap="none" rtlCol="0">
+            <a:spAutoFit/>
+          </a:bodyPr>
+          <a:lstStyle/>
+          <a:p>
+            <a:r>
+              <a:rPr lang="en-US" sz="2200" dirty="0"/>
+              <a:t>Random forest</a:t>
+            </a:r>
+            <a:endParaRPr lang="ru-RU" sz="2200" dirty="0"/>
+          </a:p>
+        </p:txBody>
+      </p:sp>
+      <p:sp>
+        <p:nvSpPr>
+          <p:cNvPr id="15" name="TextBox 14">
+            <a:extLst>
+              <a:ext uri="{FF2B5EF4-FFF2-40B4-BE49-F238E27FC236}">
+                <a16:creationId xmlns:a16="http://schemas.microsoft.com/office/drawing/2014/main" id="{89AE6228-A080-481F-ABE4-5B1E17CEBCAF}"/>
+              </a:ext>
+            </a:extLst>
+          </p:cNvPr>
+          <p:cNvSpPr txBox="1"/>
+          <p:nvPr/>
+        </p:nvSpPr>
+        <p:spPr>
+          <a:xfrm>
+            <a:off x="7938951" y="2474255"/>
+            <a:ext cx="1337226" cy="430887"/>
+          </a:xfrm>
+          <a:prstGeom prst="rect">
+            <a:avLst/>
+          </a:prstGeom>
+          <a:noFill/>
+        </p:spPr>
+        <p:txBody>
+          <a:bodyPr wrap="none" rtlCol="0">
+            <a:spAutoFit/>
+          </a:bodyPr>
+          <a:lstStyle/>
+          <a:p>
+            <a:r>
+              <a:rPr lang="en-US" sz="2200" dirty="0" err="1"/>
+              <a:t>XGBoost</a:t>
+            </a:r>
+            <a:endParaRPr lang="ru-RU" sz="2200" dirty="0"/>
+          </a:p>
+        </p:txBody>
+      </p:sp>
+    </p:spTree>
+    <p:extLst>
+      <p:ext uri="{BB962C8B-B14F-4D97-AF65-F5344CB8AC3E}">
+        <p14:creationId xmlns:p14="http://schemas.microsoft.com/office/powerpoint/2010/main" val="4205962595"/>
       </p:ext>
     </p:extLst>
   </p:cSld>
